--- a/Picture Perfect.pptx
+++ b/Picture Perfect.pptx
@@ -2,7 +2,7 @@
 <file path=ppt/presentation.xml><?xml version="1.0" encoding="utf-8"?>
 <p:presentation xmlns:a="http://schemas.openxmlformats.org/drawingml/2006/main" xmlns:r="http://schemas.openxmlformats.org/officeDocument/2006/relationships" xmlns:p="http://schemas.openxmlformats.org/presentationml/2006/main" saveSubsetFonts="1">
   <p:sldMasterIdLst>
-    <p:sldMasterId id="2147483648" r:id="rId1"/>
+    <p:sldMasterId id="2147483660" r:id="rId1"/>
   </p:sldMasterIdLst>
   <p:sldIdLst>
     <p:sldId id="256" r:id="rId2"/>
@@ -12,9 +12,14 @@
     <p:sldId id="258" r:id="rId6"/>
     <p:sldId id="259" r:id="rId7"/>
     <p:sldId id="266" r:id="rId8"/>
-    <p:sldId id="260" r:id="rId9"/>
-    <p:sldId id="262" r:id="rId10"/>
-    <p:sldId id="263" r:id="rId11"/>
+    <p:sldId id="267" r:id="rId9"/>
+    <p:sldId id="268" r:id="rId10"/>
+    <p:sldId id="269" r:id="rId11"/>
+    <p:sldId id="260" r:id="rId12"/>
+    <p:sldId id="262" r:id="rId13"/>
+    <p:sldId id="271" r:id="rId14"/>
+    <p:sldId id="263" r:id="rId15"/>
+    <p:sldId id="270" r:id="rId16"/>
   </p:sldIdLst>
   <p:sldSz cx="9144000" cy="6858000" type="screen4x3"/>
   <p:notesSz cx="6858000" cy="9144000"/>
@@ -117,7 +122,7 @@
 </file>
 
 <file path=ppt/slideLayouts/slideLayout1.xml><?xml version="1.0" encoding="utf-8"?>
-<p:sldLayout xmlns:a="http://schemas.openxmlformats.org/drawingml/2006/main" xmlns:r="http://schemas.openxmlformats.org/officeDocument/2006/relationships" xmlns:p="http://schemas.openxmlformats.org/presentationml/2006/main" type="title" preserve="1">
+<p:sldLayout xmlns:a="http://schemas.openxmlformats.org/drawingml/2006/main" xmlns:r="http://schemas.openxmlformats.org/officeDocument/2006/relationships" xmlns:p="http://schemas.openxmlformats.org/presentationml/2006/main" showMasterSp="0" type="title" preserve="1">
   <p:cSld name="Title Slide">
     <p:spTree>
       <p:nvGrpSpPr>
@@ -135,29 +140,78 @@
       </p:grpSpPr>
       <p:sp>
         <p:nvSpPr>
-          <p:cNvPr id="2" name="Title 1"/>
-          <p:cNvSpPr>
-            <a:spLocks noGrp="1"/>
-          </p:cNvSpPr>
-          <p:nvPr>
-            <p:ph type="ctrTitle"/>
-          </p:nvPr>
+          <p:cNvPr id="8" name="Rectangle 7"/>
+          <p:cNvSpPr/>
+          <p:nvPr/>
         </p:nvSpPr>
         <p:spPr>
           <a:xfrm>
-            <a:off x="685800" y="2130425"/>
-            <a:ext cx="7772400" cy="1470025"/>
+            <a:off x="777240" y="0"/>
+            <a:ext cx="7543800" cy="3048000"/>
+          </a:xfrm>
+          <a:prstGeom prst="rect">
+            <a:avLst/>
+          </a:prstGeom>
+          <a:ln>
+            <a:noFill/>
+          </a:ln>
+        </p:spPr>
+        <p:style>
+          <a:lnRef idx="2">
+            <a:schemeClr val="accent1">
+              <a:shade val="50000"/>
+            </a:schemeClr>
+          </a:lnRef>
+          <a:fillRef idx="1">
+            <a:schemeClr val="accent1"/>
+          </a:fillRef>
+          <a:effectRef idx="0">
+            <a:schemeClr val="accent1"/>
+          </a:effectRef>
+          <a:fontRef idx="minor">
+            <a:schemeClr val="lt1"/>
+          </a:fontRef>
+        </p:style>
+        <p:txBody>
+          <a:bodyPr rtlCol="0" anchor="ctr"/>
+          <a:lstStyle/>
+          <a:p>
+            <a:pPr algn="ctr"/>
+            <a:endParaRPr lang="en-US"/>
+          </a:p>
+        </p:txBody>
+      </p:sp>
+      <p:sp>
+        <p:nvSpPr>
+          <p:cNvPr id="2" name="Title 1"/>
+          <p:cNvSpPr>
+            <a:spLocks noGrp="1"/>
+          </p:cNvSpPr>
+          <p:nvPr>
+            <p:ph type="ctrTitle"/>
+          </p:nvPr>
+        </p:nvSpPr>
+        <p:spPr>
+          <a:xfrm>
+            <a:off x="762000" y="3200400"/>
+            <a:ext cx="7543800" cy="1524000"/>
           </a:xfrm>
         </p:spPr>
         <p:txBody>
-          <a:bodyPr/>
-          <a:lstStyle/>
+          <a:bodyPr>
+            <a:noAutofit/>
+          </a:bodyPr>
+          <a:lstStyle>
+            <a:lvl1pPr>
+              <a:defRPr sz="8000"/>
+            </a:lvl1pPr>
+          </a:lstStyle>
           <a:p>
             <a:r>
               <a:rPr lang="en-US" smtClean="0"/>
               <a:t>Click to edit Master title style</a:t>
             </a:r>
-            <a:endParaRPr lang="en-US"/>
+            <a:endParaRPr lang="en-US" dirty="0"/>
           </a:p>
         </p:txBody>
       </p:sp>
@@ -173,20 +227,20 @@
         </p:nvSpPr>
         <p:spPr>
           <a:xfrm>
-            <a:off x="1371600" y="3886200"/>
-            <a:ext cx="6400800" cy="1752600"/>
+            <a:off x="762000" y="4724400"/>
+            <a:ext cx="6858000" cy="990600"/>
           </a:xfrm>
         </p:spPr>
         <p:txBody>
-          <a:bodyPr/>
+          <a:bodyPr anchor="t" anchorCtr="0">
+            <a:normAutofit/>
+          </a:bodyPr>
           <a:lstStyle>
-            <a:lvl1pPr marL="0" indent="0" algn="ctr">
-              <a:buNone/>
-              <a:defRPr>
+            <a:lvl1pPr marL="0" indent="0" algn="l">
+              <a:buNone/>
+              <a:defRPr sz="2800">
                 <a:solidFill>
-                  <a:schemeClr val="tx1">
-                    <a:tint val="75000"/>
-                  </a:schemeClr>
+                  <a:schemeClr val="tx2"/>
                 </a:solidFill>
               </a:defRPr>
             </a:lvl1pPr>
@@ -276,7 +330,7 @@
               <a:rPr lang="en-US" smtClean="0"/>
               <a:t>Click to edit Master subtitle style</a:t>
             </a:r>
-            <a:endParaRPr lang="en-US"/>
+            <a:endParaRPr lang="en-US" dirty="0"/>
           </a:p>
         </p:txBody>
       </p:sp>
@@ -297,7 +351,7 @@
           <a:p>
             <a:fld id="{462FE0B4-19B8-4AEE-BBDE-B616D322CBDD}" type="datetimeFigureOut">
               <a:rPr lang="en-US" smtClean="0"/>
-              <a:t>6/13/2018</a:t>
+              <a:t>6/15/2018</a:t>
             </a:fld>
             <a:endParaRPr lang="en-US"/>
           </a:p>
@@ -345,16 +399,61 @@
           </a:p>
         </p:txBody>
       </p:sp>
+      <p:sp>
+        <p:nvSpPr>
+          <p:cNvPr id="7" name="Rectangle 6"/>
+          <p:cNvSpPr/>
+          <p:nvPr/>
+        </p:nvSpPr>
+        <p:spPr>
+          <a:xfrm>
+            <a:off x="777240" y="6172200"/>
+            <a:ext cx="7543800" cy="27432"/>
+          </a:xfrm>
+          <a:prstGeom prst="rect">
+            <a:avLst/>
+          </a:prstGeom>
+          <a:ln>
+            <a:noFill/>
+          </a:ln>
+        </p:spPr>
+        <p:style>
+          <a:lnRef idx="2">
+            <a:schemeClr val="accent1">
+              <a:shade val="50000"/>
+            </a:schemeClr>
+          </a:lnRef>
+          <a:fillRef idx="1">
+            <a:schemeClr val="accent1"/>
+          </a:fillRef>
+          <a:effectRef idx="0">
+            <a:schemeClr val="accent1"/>
+          </a:effectRef>
+          <a:fontRef idx="minor">
+            <a:schemeClr val="lt1"/>
+          </a:fontRef>
+        </p:style>
+        <p:txBody>
+          <a:bodyPr rtlCol="0" anchor="ctr"/>
+          <a:lstStyle/>
+          <a:p>
+            <a:pPr algn="ctr"/>
+            <a:endParaRPr lang="en-US"/>
+          </a:p>
+        </p:txBody>
+      </p:sp>
     </p:spTree>
-    <p:extLst>
-      <p:ext uri="{BB962C8B-B14F-4D97-AF65-F5344CB8AC3E}">
-        <p14:creationId xmlns:p14="http://schemas.microsoft.com/office/powerpoint/2010/main" val="3182441476"/>
-      </p:ext>
-    </p:extLst>
   </p:cSld>
   <p:clrMapOvr>
     <a:masterClrMapping/>
   </p:clrMapOvr>
+  <p:timing>
+    <p:tnLst>
+      <p:par>
+        <p:cTn id="1" dur="indefinite" restart="never" nodeType="tmRoot"/>
+      </p:par>
+    </p:tnLst>
+  </p:timing>
 </p:sldLayout>
 </file>
 
@@ -394,80 +493,85 @@
               <a:rPr lang="en-US" smtClean="0"/>
               <a:t>Click to edit Master title style</a:t>
             </a:r>
+            <a:endParaRPr lang="en-US" dirty="0"/>
+          </a:p>
+        </p:txBody>
+      </p:sp>
+      <p:sp>
+        <p:nvSpPr>
+          <p:cNvPr id="3" name="Vertical Text Placeholder 2"/>
+          <p:cNvSpPr>
+            <a:spLocks noGrp="1"/>
+          </p:cNvSpPr>
+          <p:nvPr>
+            <p:ph type="body" orient="vert" idx="1"/>
+          </p:nvPr>
+        </p:nvSpPr>
+        <p:spPr>
+          <a:xfrm>
+            <a:off x="914400" y="685800"/>
+            <a:ext cx="7239000" cy="3886200"/>
+          </a:xfrm>
+        </p:spPr>
+        <p:txBody>
+          <a:bodyPr vert="eaVert" anchor="t" anchorCtr="0"/>
+          <a:lstStyle/>
+          <a:p>
+            <a:pPr lvl="0"/>
+            <a:r>
+              <a:rPr lang="en-US" smtClean="0"/>
+              <a:t>Click to edit Master text styles</a:t>
+            </a:r>
+          </a:p>
+          <a:p>
+            <a:pPr lvl="1"/>
+            <a:r>
+              <a:rPr lang="en-US" smtClean="0"/>
+              <a:t>Second level</a:t>
+            </a:r>
+          </a:p>
+          <a:p>
+            <a:pPr lvl="2"/>
+            <a:r>
+              <a:rPr lang="en-US" smtClean="0"/>
+              <a:t>Third level</a:t>
+            </a:r>
+          </a:p>
+          <a:p>
+            <a:pPr lvl="3"/>
+            <a:r>
+              <a:rPr lang="en-US" smtClean="0"/>
+              <a:t>Fourth level</a:t>
+            </a:r>
+          </a:p>
+          <a:p>
+            <a:pPr lvl="4"/>
+            <a:r>
+              <a:rPr lang="en-US" smtClean="0"/>
+              <a:t>Fifth level</a:t>
+            </a:r>
             <a:endParaRPr lang="en-US"/>
           </a:p>
         </p:txBody>
       </p:sp>
       <p:sp>
         <p:nvSpPr>
-          <p:cNvPr id="3" name="Vertical Text Placeholder 2"/>
-          <p:cNvSpPr>
-            <a:spLocks noGrp="1"/>
-          </p:cNvSpPr>
-          <p:nvPr>
-            <p:ph type="body" orient="vert" idx="1"/>
+          <p:cNvPr id="4" name="Date Placeholder 3"/>
+          <p:cNvSpPr>
+            <a:spLocks noGrp="1"/>
+          </p:cNvSpPr>
+          <p:nvPr>
+            <p:ph type="dt" sz="half" idx="10"/>
           </p:nvPr>
         </p:nvSpPr>
         <p:spPr/>
         <p:txBody>
-          <a:bodyPr vert="eaVert"/>
-          <a:lstStyle/>
-          <a:p>
-            <a:pPr lvl="0"/>
-            <a:r>
-              <a:rPr lang="en-US" smtClean="0"/>
-              <a:t>Click to edit Master text styles</a:t>
-            </a:r>
-          </a:p>
-          <a:p>
-            <a:pPr lvl="1"/>
-            <a:r>
-              <a:rPr lang="en-US" smtClean="0"/>
-              <a:t>Second level</a:t>
-            </a:r>
-          </a:p>
-          <a:p>
-            <a:pPr lvl="2"/>
-            <a:r>
-              <a:rPr lang="en-US" smtClean="0"/>
-              <a:t>Third level</a:t>
-            </a:r>
-          </a:p>
-          <a:p>
-            <a:pPr lvl="3"/>
-            <a:r>
-              <a:rPr lang="en-US" smtClean="0"/>
-              <a:t>Fourth level</a:t>
-            </a:r>
-          </a:p>
-          <a:p>
-            <a:pPr lvl="4"/>
-            <a:r>
-              <a:rPr lang="en-US" smtClean="0"/>
-              <a:t>Fifth level</a:t>
-            </a:r>
-            <a:endParaRPr lang="en-US"/>
-          </a:p>
-        </p:txBody>
-      </p:sp>
-      <p:sp>
-        <p:nvSpPr>
-          <p:cNvPr id="4" name="Date Placeholder 3"/>
-          <p:cNvSpPr>
-            <a:spLocks noGrp="1"/>
-          </p:cNvSpPr>
-          <p:nvPr>
-            <p:ph type="dt" sz="half" idx="10"/>
-          </p:nvPr>
-        </p:nvSpPr>
-        <p:spPr/>
-        <p:txBody>
           <a:bodyPr/>
           <a:lstStyle/>
           <a:p>
             <a:fld id="{462FE0B4-19B8-4AEE-BBDE-B616D322CBDD}" type="datetimeFigureOut">
               <a:rPr lang="en-US" smtClean="0"/>
-              <a:t>6/13/2018</a:t>
+              <a:t>6/15/2018</a:t>
             </a:fld>
             <a:endParaRPr lang="en-US"/>
           </a:p>
@@ -516,11 +620,6 @@
         </p:txBody>
       </p:sp>
     </p:spTree>
-    <p:extLst>
-      <p:ext uri="{BB962C8B-B14F-4D97-AF65-F5344CB8AC3E}">
-        <p14:creationId xmlns:p14="http://schemas.microsoft.com/office/powerpoint/2010/main" val="2849806202"/>
-      </p:ext>
-    </p:extLst>
   </p:cSld>
   <p:clrMapOvr>
     <a:masterClrMapping/>
@@ -557,8 +656,8 @@
         </p:nvSpPr>
         <p:spPr>
           <a:xfrm>
-            <a:off x="6629400" y="274638"/>
-            <a:ext cx="2057400" cy="5851525"/>
+            <a:off x="762000" y="685801"/>
+            <a:ext cx="1828800" cy="5410199"/>
           </a:xfrm>
         </p:spPr>
         <p:txBody>
@@ -569,7 +668,7 @@
               <a:rPr lang="en-US" smtClean="0"/>
               <a:t>Click to edit Master title style</a:t>
             </a:r>
-            <a:endParaRPr lang="en-US"/>
+            <a:endParaRPr lang="en-US" dirty="0"/>
           </a:p>
         </p:txBody>
       </p:sp>
@@ -585,12 +684,12 @@
         </p:nvSpPr>
         <p:spPr>
           <a:xfrm>
-            <a:off x="457200" y="274638"/>
-            <a:ext cx="6019800" cy="5851525"/>
+            <a:off x="2590800" y="685801"/>
+            <a:ext cx="5715000" cy="4876800"/>
           </a:xfrm>
         </p:spPr>
         <p:txBody>
-          <a:bodyPr vert="eaVert"/>
+          <a:bodyPr vert="eaVert" anchor="t" anchorCtr="0"/>
           <a:lstStyle/>
           <a:p>
             <a:pPr lvl="0"/>
@@ -647,7 +746,7 @@
           <a:p>
             <a:fld id="{462FE0B4-19B8-4AEE-BBDE-B616D322CBDD}" type="datetimeFigureOut">
               <a:rPr lang="en-US" smtClean="0"/>
-              <a:t>6/13/2018</a:t>
+              <a:t>6/15/2018</a:t>
             </a:fld>
             <a:endParaRPr lang="en-US"/>
           </a:p>
@@ -696,11 +795,6 @@
         </p:txBody>
       </p:sp>
     </p:spTree>
-    <p:extLst>
-      <p:ext uri="{BB962C8B-B14F-4D97-AF65-F5344CB8AC3E}">
-        <p14:creationId xmlns:p14="http://schemas.microsoft.com/office/powerpoint/2010/main" val="3944721466"/>
-      </p:ext>
-    </p:extLst>
   </p:cSld>
   <p:clrMapOvr>
     <a:masterClrMapping/>
@@ -735,89 +829,99 @@
             <p:ph type="title"/>
           </p:nvPr>
         </p:nvSpPr>
+        <p:spPr>
+          <a:xfrm>
+            <a:off x="762000" y="381000"/>
+            <a:ext cx="6781800" cy="1600200"/>
+          </a:xfrm>
+        </p:spPr>
+        <p:txBody>
+          <a:bodyPr anchor="t"/>
+          <a:lstStyle/>
+          <a:p>
+            <a:r>
+              <a:rPr lang="en-US" smtClean="0"/>
+              <a:t>Click to edit Master title style</a:t>
+            </a:r>
+            <a:endParaRPr lang="en-US"/>
+          </a:p>
+        </p:txBody>
+      </p:sp>
+      <p:sp>
+        <p:nvSpPr>
+          <p:cNvPr id="3" name="Content Placeholder 2"/>
+          <p:cNvSpPr>
+            <a:spLocks noGrp="1"/>
+          </p:cNvSpPr>
+          <p:nvPr>
+            <p:ph idx="1"/>
+          </p:nvPr>
+        </p:nvSpPr>
+        <p:spPr>
+          <a:xfrm>
+            <a:off x="762000" y="2286000"/>
+            <a:ext cx="7543800" cy="3886200"/>
+          </a:xfrm>
+        </p:spPr>
+        <p:txBody>
+          <a:bodyPr anchor="t"/>
+          <a:lstStyle/>
+          <a:p>
+            <a:pPr lvl="0"/>
+            <a:r>
+              <a:rPr lang="en-US" smtClean="0"/>
+              <a:t>Click to edit Master text styles</a:t>
+            </a:r>
+          </a:p>
+          <a:p>
+            <a:pPr lvl="1"/>
+            <a:r>
+              <a:rPr lang="en-US" smtClean="0"/>
+              <a:t>Second level</a:t>
+            </a:r>
+          </a:p>
+          <a:p>
+            <a:pPr lvl="2"/>
+            <a:r>
+              <a:rPr lang="en-US" smtClean="0"/>
+              <a:t>Third level</a:t>
+            </a:r>
+          </a:p>
+          <a:p>
+            <a:pPr lvl="3"/>
+            <a:r>
+              <a:rPr lang="en-US" smtClean="0"/>
+              <a:t>Fourth level</a:t>
+            </a:r>
+          </a:p>
+          <a:p>
+            <a:pPr lvl="4"/>
+            <a:r>
+              <a:rPr lang="en-US" smtClean="0"/>
+              <a:t>Fifth level</a:t>
+            </a:r>
+            <a:endParaRPr lang="en-US"/>
+          </a:p>
+        </p:txBody>
+      </p:sp>
+      <p:sp>
+        <p:nvSpPr>
+          <p:cNvPr id="4" name="Date Placeholder 3"/>
+          <p:cNvSpPr>
+            <a:spLocks noGrp="1"/>
+          </p:cNvSpPr>
+          <p:nvPr>
+            <p:ph type="dt" sz="half" idx="10"/>
+          </p:nvPr>
+        </p:nvSpPr>
         <p:spPr/>
         <p:txBody>
           <a:bodyPr/>
           <a:lstStyle/>
           <a:p>
-            <a:r>
-              <a:rPr lang="en-US" smtClean="0"/>
-              <a:t>Click to edit Master title style</a:t>
-            </a:r>
-            <a:endParaRPr lang="en-US"/>
-          </a:p>
-        </p:txBody>
-      </p:sp>
-      <p:sp>
-        <p:nvSpPr>
-          <p:cNvPr id="3" name="Content Placeholder 2"/>
-          <p:cNvSpPr>
-            <a:spLocks noGrp="1"/>
-          </p:cNvSpPr>
-          <p:nvPr>
-            <p:ph idx="1"/>
-          </p:nvPr>
-        </p:nvSpPr>
-        <p:spPr/>
-        <p:txBody>
-          <a:bodyPr/>
-          <a:lstStyle/>
-          <a:p>
-            <a:pPr lvl="0"/>
-            <a:r>
-              <a:rPr lang="en-US" smtClean="0"/>
-              <a:t>Click to edit Master text styles</a:t>
-            </a:r>
-          </a:p>
-          <a:p>
-            <a:pPr lvl="1"/>
-            <a:r>
-              <a:rPr lang="en-US" smtClean="0"/>
-              <a:t>Second level</a:t>
-            </a:r>
-          </a:p>
-          <a:p>
-            <a:pPr lvl="2"/>
-            <a:r>
-              <a:rPr lang="en-US" smtClean="0"/>
-              <a:t>Third level</a:t>
-            </a:r>
-          </a:p>
-          <a:p>
-            <a:pPr lvl="3"/>
-            <a:r>
-              <a:rPr lang="en-US" smtClean="0"/>
-              <a:t>Fourth level</a:t>
-            </a:r>
-          </a:p>
-          <a:p>
-            <a:pPr lvl="4"/>
-            <a:r>
-              <a:rPr lang="en-US" smtClean="0"/>
-              <a:t>Fifth level</a:t>
-            </a:r>
-            <a:endParaRPr lang="en-US"/>
-          </a:p>
-        </p:txBody>
-      </p:sp>
-      <p:sp>
-        <p:nvSpPr>
-          <p:cNvPr id="4" name="Date Placeholder 3"/>
-          <p:cNvSpPr>
-            <a:spLocks noGrp="1"/>
-          </p:cNvSpPr>
-          <p:nvPr>
-            <p:ph type="dt" sz="half" idx="10"/>
-          </p:nvPr>
-        </p:nvSpPr>
-        <p:spPr/>
-        <p:txBody>
-          <a:bodyPr/>
-          <a:lstStyle/>
-          <a:p>
             <a:fld id="{462FE0B4-19B8-4AEE-BBDE-B616D322CBDD}" type="datetimeFigureOut">
               <a:rPr lang="en-US" smtClean="0"/>
-              <a:t>6/13/2018</a:t>
+              <a:t>6/15/2018</a:t>
             </a:fld>
             <a:endParaRPr lang="en-US"/>
           </a:p>
@@ -866,20 +970,22 @@
         </p:txBody>
       </p:sp>
     </p:spTree>
-    <p:extLst>
-      <p:ext uri="{BB962C8B-B14F-4D97-AF65-F5344CB8AC3E}">
-        <p14:creationId xmlns:p14="http://schemas.microsoft.com/office/powerpoint/2010/main" val="145655698"/>
-      </p:ext>
-    </p:extLst>
   </p:cSld>
   <p:clrMapOvr>
     <a:masterClrMapping/>
   </p:clrMapOvr>
+  <p:timing>
+    <p:tnLst>
+      <p:par>
+        <p:cTn id="1" dur="indefinite" restart="never" nodeType="tmRoot"/>
+      </p:par>
+    </p:tnLst>
+  </p:timing>
 </p:sldLayout>
 </file>
 
 <file path=ppt/slideLayouts/slideLayout3.xml><?xml version="1.0" encoding="utf-8"?>
-<p:sldLayout xmlns:a="http://schemas.openxmlformats.org/drawingml/2006/main" xmlns:r="http://schemas.openxmlformats.org/officeDocument/2006/relationships" xmlns:p="http://schemas.openxmlformats.org/presentationml/2006/main" type="secHead" preserve="1">
+<p:sldLayout xmlns:a="http://schemas.openxmlformats.org/drawingml/2006/main" xmlns:r="http://schemas.openxmlformats.org/officeDocument/2006/relationships" xmlns:p="http://schemas.openxmlformats.org/presentationml/2006/main" showMasterSp="0" type="secHead" preserve="1">
   <p:cSld name="Section Header">
     <p:spTree>
       <p:nvGrpSpPr>
@@ -897,25 +1003,68 @@
       </p:grpSpPr>
       <p:sp>
         <p:nvSpPr>
-          <p:cNvPr id="2" name="Title 1"/>
-          <p:cNvSpPr>
-            <a:spLocks noGrp="1"/>
-          </p:cNvSpPr>
-          <p:nvPr>
-            <p:ph type="title"/>
-          </p:nvPr>
+          <p:cNvPr id="7" name="Rectangle 6"/>
+          <p:cNvSpPr/>
+          <p:nvPr/>
         </p:nvSpPr>
         <p:spPr>
           <a:xfrm>
-            <a:off x="722313" y="4406900"/>
-            <a:ext cx="7772400" cy="1362075"/>
+            <a:off x="777240" y="0"/>
+            <a:ext cx="7543800" cy="3048000"/>
+          </a:xfrm>
+          <a:prstGeom prst="rect">
+            <a:avLst/>
+          </a:prstGeom>
+          <a:ln>
+            <a:noFill/>
+          </a:ln>
+        </p:spPr>
+        <p:style>
+          <a:lnRef idx="2">
+            <a:schemeClr val="accent1">
+              <a:shade val="50000"/>
+            </a:schemeClr>
+          </a:lnRef>
+          <a:fillRef idx="1">
+            <a:schemeClr val="accent1"/>
+          </a:fillRef>
+          <a:effectRef idx="0">
+            <a:schemeClr val="accent1"/>
+          </a:effectRef>
+          <a:fontRef idx="minor">
+            <a:schemeClr val="lt1"/>
+          </a:fontRef>
+        </p:style>
+        <p:txBody>
+          <a:bodyPr rtlCol="0" anchor="ctr"/>
+          <a:lstStyle/>
+          <a:p>
+            <a:pPr algn="ctr"/>
+            <a:endParaRPr lang="en-US"/>
+          </a:p>
+        </p:txBody>
+      </p:sp>
+      <p:sp>
+        <p:nvSpPr>
+          <p:cNvPr id="2" name="Title 1"/>
+          <p:cNvSpPr>
+            <a:spLocks noGrp="1"/>
+          </p:cNvSpPr>
+          <p:nvPr>
+            <p:ph type="title"/>
+          </p:nvPr>
+        </p:nvSpPr>
+        <p:spPr>
+          <a:xfrm>
+            <a:off x="762000" y="3276600"/>
+            <a:ext cx="7543800" cy="1676400"/>
           </a:xfrm>
         </p:spPr>
         <p:txBody>
-          <a:bodyPr anchor="t"/>
+          <a:bodyPr anchor="b" anchorCtr="0"/>
           <a:lstStyle>
             <a:lvl1pPr algn="l">
-              <a:defRPr sz="4000" b="1" cap="all"/>
+              <a:defRPr sz="5400" b="0" cap="all"/>
             </a:lvl1pPr>
           </a:lstStyle>
           <a:p>
@@ -923,7 +1072,7 @@
               <a:rPr lang="en-US" smtClean="0"/>
               <a:t>Click to edit Master title style</a:t>
             </a:r>
-            <a:endParaRPr lang="en-US"/>
+            <a:endParaRPr lang="en-US" dirty="0"/>
           </a:p>
         </p:txBody>
       </p:sp>
@@ -939,20 +1088,20 @@
         </p:nvSpPr>
         <p:spPr>
           <a:xfrm>
-            <a:off x="722313" y="2906713"/>
-            <a:ext cx="7772400" cy="1500187"/>
+            <a:off x="762000" y="4953000"/>
+            <a:ext cx="6858000" cy="914400"/>
           </a:xfrm>
         </p:spPr>
         <p:txBody>
-          <a:bodyPr anchor="b"/>
+          <a:bodyPr anchor="t" anchorCtr="0">
+            <a:normAutofit/>
+          </a:bodyPr>
           <a:lstStyle>
             <a:lvl1pPr marL="0" indent="0">
               <a:buNone/>
-              <a:defRPr sz="2000">
+              <a:defRPr sz="2800">
                 <a:solidFill>
-                  <a:schemeClr val="tx1">
-                    <a:tint val="75000"/>
-                  </a:schemeClr>
+                  <a:schemeClr val="tx2"/>
                 </a:solidFill>
               </a:defRPr>
             </a:lvl1pPr>
@@ -1063,7 +1212,7 @@
           <a:p>
             <a:fld id="{462FE0B4-19B8-4AEE-BBDE-B616D322CBDD}" type="datetimeFigureOut">
               <a:rPr lang="en-US" smtClean="0"/>
-              <a:t>6/13/2018</a:t>
+              <a:t>6/15/2018</a:t>
             </a:fld>
             <a:endParaRPr lang="en-US"/>
           </a:p>
@@ -1111,12 +1260,50 @@
           </a:p>
         </p:txBody>
       </p:sp>
+      <p:sp>
+        <p:nvSpPr>
+          <p:cNvPr id="8" name="Rectangle 7"/>
+          <p:cNvSpPr/>
+          <p:nvPr/>
+        </p:nvSpPr>
+        <p:spPr>
+          <a:xfrm>
+            <a:off x="777240" y="6172200"/>
+            <a:ext cx="7543800" cy="27432"/>
+          </a:xfrm>
+          <a:prstGeom prst="rect">
+            <a:avLst/>
+          </a:prstGeom>
+          <a:ln>
+            <a:noFill/>
+          </a:ln>
+        </p:spPr>
+        <p:style>
+          <a:lnRef idx="2">
+            <a:schemeClr val="accent1">
+              <a:shade val="50000"/>
+            </a:schemeClr>
+          </a:lnRef>
+          <a:fillRef idx="1">
+            <a:schemeClr val="accent1"/>
+          </a:fillRef>
+          <a:effectRef idx="0">
+            <a:schemeClr val="accent1"/>
+          </a:effectRef>
+          <a:fontRef idx="minor">
+            <a:schemeClr val="lt1"/>
+          </a:fontRef>
+        </p:style>
+        <p:txBody>
+          <a:bodyPr rtlCol="0" anchor="ctr"/>
+          <a:lstStyle/>
+          <a:p>
+            <a:pPr algn="ctr"/>
+            <a:endParaRPr lang="en-US"/>
+          </a:p>
+        </p:txBody>
+      </p:sp>
     </p:spTree>
-    <p:extLst>
-      <p:ext uri="{BB962C8B-B14F-4D97-AF65-F5344CB8AC3E}">
-        <p14:creationId xmlns:p14="http://schemas.microsoft.com/office/powerpoint/2010/main" val="2226391754"/>
-      </p:ext>
-    </p:extLst>
   </p:cSld>
   <p:clrMapOvr>
     <a:masterClrMapping/>
@@ -1176,8 +1363,8 @@
         </p:nvSpPr>
         <p:spPr>
           <a:xfrm>
-            <a:off x="457200" y="1600200"/>
-            <a:ext cx="4038600" cy="4525963"/>
+            <a:off x="762000" y="609601"/>
+            <a:ext cx="3657600" cy="3767328"/>
           </a:xfrm>
         </p:spPr>
         <p:txBody>
@@ -1245,7 +1432,7 @@
               <a:rPr lang="en-US" smtClean="0"/>
               <a:t>Fifth level</a:t>
             </a:r>
-            <a:endParaRPr lang="en-US"/>
+            <a:endParaRPr lang="en-US" dirty="0"/>
           </a:p>
         </p:txBody>
       </p:sp>
@@ -1261,8 +1448,8 @@
         </p:nvSpPr>
         <p:spPr>
           <a:xfrm>
-            <a:off x="4648200" y="1600200"/>
-            <a:ext cx="4038600" cy="4525963"/>
+            <a:off x="4648200" y="609601"/>
+            <a:ext cx="3657600" cy="3767328"/>
           </a:xfrm>
         </p:spPr>
         <p:txBody>
@@ -1351,7 +1538,7 @@
           <a:p>
             <a:fld id="{462FE0B4-19B8-4AEE-BBDE-B616D322CBDD}" type="datetimeFigureOut">
               <a:rPr lang="en-US" smtClean="0"/>
-              <a:t>6/13/2018</a:t>
+              <a:t>6/15/2018</a:t>
             </a:fld>
             <a:endParaRPr lang="en-US"/>
           </a:p>
@@ -1400,11 +1587,6 @@
         </p:txBody>
       </p:sp>
     </p:spTree>
-    <p:extLst>
-      <p:ext uri="{BB962C8B-B14F-4D97-AF65-F5344CB8AC3E}">
-        <p14:creationId xmlns:p14="http://schemas.microsoft.com/office/powerpoint/2010/main" val="3678571974"/>
-      </p:ext>
-    </p:extLst>
   </p:cSld>
   <p:clrMapOvr>
     <a:masterClrMapping/>
@@ -1452,7 +1634,7 @@
               <a:rPr lang="en-US" smtClean="0"/>
               <a:t>Click to edit Master title style</a:t>
             </a:r>
-            <a:endParaRPr lang="en-US"/>
+            <a:endParaRPr lang="en-US" dirty="0"/>
           </a:p>
         </p:txBody>
       </p:sp>
@@ -1468,16 +1650,20 @@
         </p:nvSpPr>
         <p:spPr>
           <a:xfrm>
-            <a:off x="457200" y="1535113"/>
-            <a:ext cx="4040188" cy="639762"/>
+            <a:off x="758952" y="609600"/>
+            <a:ext cx="3657600" cy="639762"/>
           </a:xfrm>
         </p:spPr>
         <p:txBody>
-          <a:bodyPr anchor="b"/>
+          <a:bodyPr anchor="b">
+            <a:noAutofit/>
+          </a:bodyPr>
           <a:lstStyle>
             <a:lvl1pPr marL="0" indent="0">
               <a:buNone/>
-              <a:defRPr sz="2400" b="1"/>
+              <a:defRPr sz="2800" b="0">
+                <a:latin typeface="+mj-lt"/>
+              </a:defRPr>
             </a:lvl1pPr>
             <a:lvl2pPr marL="457200" indent="0">
               <a:buNone/>
@@ -1533,12 +1719,12 @@
         </p:nvSpPr>
         <p:spPr>
           <a:xfrm>
-            <a:off x="457200" y="2174875"/>
-            <a:ext cx="4040188" cy="3951288"/>
+            <a:off x="758952" y="1329264"/>
+            <a:ext cx="3657600" cy="3048000"/>
           </a:xfrm>
         </p:spPr>
         <p:txBody>
-          <a:bodyPr/>
+          <a:bodyPr anchor="t" anchorCtr="0"/>
           <a:lstStyle>
             <a:lvl1pPr>
               <a:defRPr sz="2400"/>
@@ -1602,7 +1788,7 @@
               <a:rPr lang="en-US" smtClean="0"/>
               <a:t>Fifth level</a:t>
             </a:r>
-            <a:endParaRPr lang="en-US"/>
+            <a:endParaRPr lang="en-US" dirty="0"/>
           </a:p>
         </p:txBody>
       </p:sp>
@@ -1618,16 +1804,20 @@
         </p:nvSpPr>
         <p:spPr>
           <a:xfrm>
-            <a:off x="4645025" y="1535113"/>
-            <a:ext cx="4041775" cy="639762"/>
+            <a:off x="4645152" y="609600"/>
+            <a:ext cx="3657600" cy="639762"/>
           </a:xfrm>
         </p:spPr>
         <p:txBody>
-          <a:bodyPr anchor="b"/>
+          <a:bodyPr anchor="b">
+            <a:noAutofit/>
+          </a:bodyPr>
           <a:lstStyle>
             <a:lvl1pPr marL="0" indent="0">
               <a:buNone/>
-              <a:defRPr sz="2400" b="1"/>
+              <a:defRPr sz="2800" b="0">
+                <a:latin typeface="+mj-lt"/>
+              </a:defRPr>
             </a:lvl1pPr>
             <a:lvl2pPr marL="457200" indent="0">
               <a:buNone/>
@@ -1683,12 +1873,12 @@
         </p:nvSpPr>
         <p:spPr>
           <a:xfrm>
-            <a:off x="4645025" y="2174875"/>
-            <a:ext cx="4041775" cy="3951288"/>
+            <a:off x="4645152" y="1329264"/>
+            <a:ext cx="3657600" cy="3048000"/>
           </a:xfrm>
         </p:spPr>
         <p:txBody>
-          <a:bodyPr/>
+          <a:bodyPr anchor="t" anchorCtr="0"/>
           <a:lstStyle>
             <a:lvl1pPr>
               <a:defRPr sz="2400"/>
@@ -1773,7 +1963,7 @@
           <a:p>
             <a:fld id="{462FE0B4-19B8-4AEE-BBDE-B616D322CBDD}" type="datetimeFigureOut">
               <a:rPr lang="en-US" smtClean="0"/>
-              <a:t>6/13/2018</a:t>
+              <a:t>6/15/2018</a:t>
             </a:fld>
             <a:endParaRPr lang="en-US"/>
           </a:p>
@@ -1821,12 +2011,67 @@
           </a:p>
         </p:txBody>
       </p:sp>
+      <p:cxnSp>
+        <p:nvCxnSpPr>
+          <p:cNvPr id="11" name="Straight Connector 10"/>
+          <p:cNvCxnSpPr/>
+          <p:nvPr/>
+        </p:nvCxnSpPr>
+        <p:spPr>
+          <a:xfrm>
+            <a:off x="758952" y="1249362"/>
+            <a:ext cx="3657600" cy="1588"/>
+          </a:xfrm>
+          <a:prstGeom prst="line">
+            <a:avLst/>
+          </a:prstGeom>
+        </p:spPr>
+        <p:style>
+          <a:lnRef idx="1">
+            <a:schemeClr val="accent1"/>
+          </a:lnRef>
+          <a:fillRef idx="0">
+            <a:schemeClr val="accent1"/>
+          </a:fillRef>
+          <a:effectRef idx="0">
+            <a:schemeClr val="accent1"/>
+          </a:effectRef>
+          <a:fontRef idx="minor">
+            <a:schemeClr val="tx1"/>
+          </a:fontRef>
+        </p:style>
+      </p:cxnSp>
+      <p:cxnSp>
+        <p:nvCxnSpPr>
+          <p:cNvPr id="13" name="Straight Connector 12"/>
+          <p:cNvCxnSpPr/>
+          <p:nvPr/>
+        </p:nvCxnSpPr>
+        <p:spPr>
+          <a:xfrm>
+            <a:off x="4645152" y="1249362"/>
+            <a:ext cx="3657600" cy="1588"/>
+          </a:xfrm>
+          <a:prstGeom prst="line">
+            <a:avLst/>
+          </a:prstGeom>
+        </p:spPr>
+        <p:style>
+          <a:lnRef idx="1">
+            <a:schemeClr val="accent1"/>
+          </a:lnRef>
+          <a:fillRef idx="0">
+            <a:schemeClr val="accent1"/>
+          </a:fillRef>
+          <a:effectRef idx="0">
+            <a:schemeClr val="accent1"/>
+          </a:effectRef>
+          <a:fontRef idx="minor">
+            <a:schemeClr val="tx1"/>
+          </a:fontRef>
+        </p:style>
+      </p:cxnSp>
     </p:spTree>
-    <p:extLst>
-      <p:ext uri="{BB962C8B-B14F-4D97-AF65-F5344CB8AC3E}">
-        <p14:creationId xmlns:p14="http://schemas.microsoft.com/office/powerpoint/2010/main" val="1898043807"/>
-      </p:ext>
-    </p:extLst>
   </p:cSld>
   <p:clrMapOvr>
     <a:masterClrMapping/>
@@ -1870,7 +2115,7 @@
               <a:rPr lang="en-US" smtClean="0"/>
               <a:t>Click to edit Master title style</a:t>
             </a:r>
-            <a:endParaRPr lang="en-US"/>
+            <a:endParaRPr lang="en-US" dirty="0"/>
           </a:p>
         </p:txBody>
       </p:sp>
@@ -1891,7 +2136,7 @@
           <a:p>
             <a:fld id="{462FE0B4-19B8-4AEE-BBDE-B616D322CBDD}" type="datetimeFigureOut">
               <a:rPr lang="en-US" smtClean="0"/>
-              <a:t>6/13/2018</a:t>
+              <a:t>6/15/2018</a:t>
             </a:fld>
             <a:endParaRPr lang="en-US"/>
           </a:p>
@@ -1940,11 +2185,6 @@
         </p:txBody>
       </p:sp>
     </p:spTree>
-    <p:extLst>
-      <p:ext uri="{BB962C8B-B14F-4D97-AF65-F5344CB8AC3E}">
-        <p14:creationId xmlns:p14="http://schemas.microsoft.com/office/powerpoint/2010/main" val="513083035"/>
-      </p:ext>
-    </p:extLst>
   </p:cSld>
   <p:clrMapOvr>
     <a:masterClrMapping/>
@@ -1986,7 +2226,7 @@
           <a:p>
             <a:fld id="{462FE0B4-19B8-4AEE-BBDE-B616D322CBDD}" type="datetimeFigureOut">
               <a:rPr lang="en-US" smtClean="0"/>
-              <a:t>6/13/2018</a:t>
+              <a:t>6/15/2018</a:t>
             </a:fld>
             <a:endParaRPr lang="en-US"/>
           </a:p>
@@ -2035,11 +2275,6 @@
         </p:txBody>
       </p:sp>
     </p:spTree>
-    <p:extLst>
-      <p:ext uri="{BB962C8B-B14F-4D97-AF65-F5344CB8AC3E}">
-        <p14:creationId xmlns:p14="http://schemas.microsoft.com/office/powerpoint/2010/main" val="3937781475"/>
-      </p:ext>
-    </p:extLst>
   </p:cSld>
   <p:clrMapOvr>
     <a:masterClrMapping/>
@@ -2076,15 +2311,17 @@
         </p:nvSpPr>
         <p:spPr>
           <a:xfrm>
-            <a:off x="457200" y="273050"/>
-            <a:ext cx="3008313" cy="1162050"/>
+            <a:off x="762000" y="4572000"/>
+            <a:ext cx="6784848" cy="1600200"/>
           </a:xfrm>
         </p:spPr>
         <p:txBody>
-          <a:bodyPr anchor="b"/>
+          <a:bodyPr anchor="b">
+            <a:normAutofit/>
+          </a:bodyPr>
           <a:lstStyle>
             <a:lvl1pPr algn="l">
-              <a:defRPr sz="2000" b="1"/>
+              <a:defRPr sz="5400" b="0"/>
             </a:lvl1pPr>
           </a:lstStyle>
           <a:p>
@@ -2108,27 +2345,27 @@
         </p:nvSpPr>
         <p:spPr>
           <a:xfrm>
-            <a:off x="3575050" y="273050"/>
-            <a:ext cx="5111750" cy="5853113"/>
+            <a:off x="3710866" y="457200"/>
+            <a:ext cx="4594934" cy="4114799"/>
           </a:xfrm>
         </p:spPr>
         <p:txBody>
           <a:bodyPr/>
           <a:lstStyle>
             <a:lvl1pPr>
-              <a:defRPr sz="3200"/>
+              <a:defRPr sz="2400"/>
             </a:lvl1pPr>
             <a:lvl2pPr>
-              <a:defRPr sz="2800"/>
+              <a:defRPr sz="2200"/>
             </a:lvl2pPr>
             <a:lvl3pPr>
-              <a:defRPr sz="2400"/>
+              <a:defRPr sz="2000"/>
             </a:lvl3pPr>
             <a:lvl4pPr>
-              <a:defRPr sz="2000"/>
+              <a:defRPr sz="1800"/>
             </a:lvl4pPr>
             <a:lvl5pPr>
-              <a:defRPr sz="2000"/>
+              <a:defRPr sz="1800"/>
             </a:lvl5pPr>
             <a:lvl6pPr>
               <a:defRPr sz="2000"/>
@@ -2177,7 +2414,7 @@
               <a:rPr lang="en-US" smtClean="0"/>
               <a:t>Fifth level</a:t>
             </a:r>
-            <a:endParaRPr lang="en-US"/>
+            <a:endParaRPr lang="en-US" dirty="0"/>
           </a:p>
         </p:txBody>
       </p:sp>
@@ -2193,16 +2430,22 @@
         </p:nvSpPr>
         <p:spPr>
           <a:xfrm>
-            <a:off x="457200" y="1435100"/>
-            <a:ext cx="3008313" cy="4691063"/>
+            <a:off x="762001" y="457200"/>
+            <a:ext cx="2673657" cy="4114800"/>
           </a:xfrm>
         </p:spPr>
         <p:txBody>
-          <a:bodyPr/>
+          <a:bodyPr>
+            <a:normAutofit/>
+          </a:bodyPr>
           <a:lstStyle>
             <a:lvl1pPr marL="0" indent="0">
               <a:buNone/>
-              <a:defRPr sz="1400"/>
+              <a:defRPr sz="2100">
+                <a:solidFill>
+                  <a:schemeClr val="tx2"/>
+                </a:solidFill>
+              </a:defRPr>
             </a:lvl1pPr>
             <a:lvl2pPr marL="457200" indent="0">
               <a:buNone/>
@@ -2263,7 +2506,7 @@
           <a:p>
             <a:fld id="{462FE0B4-19B8-4AEE-BBDE-B616D322CBDD}" type="datetimeFigureOut">
               <a:rPr lang="en-US" smtClean="0"/>
-              <a:t>6/13/2018</a:t>
+              <a:t>6/15/2018</a:t>
             </a:fld>
             <a:endParaRPr lang="en-US"/>
           </a:p>
@@ -2311,12 +2554,45 @@
           </a:p>
         </p:txBody>
       </p:sp>
+      <p:cxnSp>
+        <p:nvCxnSpPr>
+          <p:cNvPr id="10" name="Straight Connector 9"/>
+          <p:cNvCxnSpPr/>
+          <p:nvPr/>
+        </p:nvCxnSpPr>
+        <p:spPr>
+          <a:xfrm rot="5400000">
+            <a:off x="1677194" y="2514600"/>
+            <a:ext cx="3810000" cy="1588"/>
+          </a:xfrm>
+          <a:prstGeom prst="line">
+            <a:avLst/>
+          </a:prstGeom>
+          <a:ln>
+            <a:solidFill>
+              <a:schemeClr val="tx2">
+                <a:lumMod val="50000"/>
+                <a:lumOff val="50000"/>
+              </a:schemeClr>
+            </a:solidFill>
+          </a:ln>
+        </p:spPr>
+        <p:style>
+          <a:lnRef idx="1">
+            <a:schemeClr val="accent1"/>
+          </a:lnRef>
+          <a:fillRef idx="0">
+            <a:schemeClr val="accent1"/>
+          </a:fillRef>
+          <a:effectRef idx="0">
+            <a:schemeClr val="accent1"/>
+          </a:effectRef>
+          <a:fontRef idx="minor">
+            <a:schemeClr val="tx1"/>
+          </a:fontRef>
+        </p:style>
+      </p:cxnSp>
     </p:spTree>
-    <p:extLst>
-      <p:ext uri="{BB962C8B-B14F-4D97-AF65-F5344CB8AC3E}">
-        <p14:creationId xmlns:p14="http://schemas.microsoft.com/office/powerpoint/2010/main" val="3311666206"/>
-      </p:ext>
-    </p:extLst>
   </p:cSld>
   <p:clrMapOvr>
     <a:masterClrMapping/>
@@ -2353,15 +2629,17 @@
         </p:nvSpPr>
         <p:spPr>
           <a:xfrm>
-            <a:off x="1792288" y="4800600"/>
-            <a:ext cx="5486400" cy="566738"/>
+            <a:off x="758952" y="4572000"/>
+            <a:ext cx="6784848" cy="1600200"/>
           </a:xfrm>
         </p:spPr>
         <p:txBody>
-          <a:bodyPr anchor="b"/>
+          <a:bodyPr anchor="b">
+            <a:normAutofit/>
+          </a:bodyPr>
           <a:lstStyle>
             <a:lvl1pPr algn="l">
-              <a:defRPr sz="2000" b="1"/>
+              <a:defRPr sz="5400" b="0"/>
             </a:lvl1pPr>
           </a:lstStyle>
           <a:p>
@@ -2369,7 +2647,7 @@
               <a:rPr lang="en-US" smtClean="0"/>
               <a:t>Click to edit Master title style</a:t>
             </a:r>
-            <a:endParaRPr lang="en-US"/>
+            <a:endParaRPr lang="en-US" dirty="0"/>
           </a:p>
         </p:txBody>
       </p:sp>
@@ -2385,9 +2663,14 @@
         </p:nvSpPr>
         <p:spPr>
           <a:xfrm>
-            <a:off x="1792288" y="612775"/>
-            <a:ext cx="5486400" cy="4114800"/>
+            <a:off x="777240" y="457200"/>
+            <a:ext cx="7543800" cy="2895600"/>
           </a:xfrm>
+          <a:ln w="6350">
+            <a:solidFill>
+              <a:schemeClr val="tx2"/>
+            </a:solidFill>
+          </a:ln>
         </p:spPr>
         <p:txBody>
           <a:bodyPr/>
@@ -2430,6 +2713,10 @@
             </a:lvl9pPr>
           </a:lstStyle>
           <a:p>
+            <a:r>
+              <a:rPr lang="en-US" smtClean="0"/>
+              <a:t>Click icon to add picture</a:t>
+            </a:r>
             <a:endParaRPr lang="en-US"/>
           </a:p>
         </p:txBody>
@@ -2446,16 +2733,18 @@
         </p:nvSpPr>
         <p:spPr>
           <a:xfrm>
-            <a:off x="1792288" y="5367338"/>
-            <a:ext cx="5486400" cy="804862"/>
+            <a:off x="850392" y="3505200"/>
+            <a:ext cx="7391400" cy="804862"/>
           </a:xfrm>
         </p:spPr>
         <p:txBody>
-          <a:bodyPr/>
+          <a:bodyPr anchor="t" anchorCtr="0">
+            <a:normAutofit/>
+          </a:bodyPr>
           <a:lstStyle>
             <a:lvl1pPr marL="0" indent="0">
               <a:buNone/>
-              <a:defRPr sz="1400"/>
+              <a:defRPr sz="1800"/>
             </a:lvl1pPr>
             <a:lvl2pPr marL="457200" indent="0">
               <a:buNone/>
@@ -2516,7 +2805,7 @@
           <a:p>
             <a:fld id="{462FE0B4-19B8-4AEE-BBDE-B616D322CBDD}" type="datetimeFigureOut">
               <a:rPr lang="en-US" smtClean="0"/>
-              <a:t>6/13/2018</a:t>
+              <a:t>6/15/2018</a:t>
             </a:fld>
             <a:endParaRPr lang="en-US"/>
           </a:p>
@@ -2565,11 +2854,6 @@
         </p:txBody>
       </p:sp>
     </p:spTree>
-    <p:extLst>
-      <p:ext uri="{BB962C8B-B14F-4D97-AF65-F5344CB8AC3E}">
-        <p14:creationId xmlns:p14="http://schemas.microsoft.com/office/powerpoint/2010/main" val="4140557663"/>
-      </p:ext>
-    </p:extLst>
   </p:cSld>
   <p:clrMapOvr>
     <a:masterClrMapping/>
@@ -2581,7 +2865,7 @@
 <p:sldMaster xmlns:a="http://schemas.openxmlformats.org/drawingml/2006/main" xmlns:r="http://schemas.openxmlformats.org/officeDocument/2006/relationships" xmlns:p="http://schemas.openxmlformats.org/presentationml/2006/main">
   <p:cSld>
     <p:bg>
-      <p:bgRef idx="1001">
+      <p:bgRef idx="1003">
         <a:schemeClr val="bg1"/>
       </p:bgRef>
     </p:bg>
@@ -2611,15 +2895,15 @@
         </p:nvSpPr>
         <p:spPr>
           <a:xfrm>
-            <a:off x="457200" y="274638"/>
-            <a:ext cx="8229600" cy="1143000"/>
+            <a:off x="762000" y="4572000"/>
+            <a:ext cx="6781800" cy="1600200"/>
           </a:xfrm>
           <a:prstGeom prst="rect">
             <a:avLst/>
           </a:prstGeom>
         </p:spPr>
         <p:txBody>
-          <a:bodyPr vert="horz" lIns="91440" tIns="45720" rIns="91440" bIns="45720" rtlCol="0" anchor="ctr">
+          <a:bodyPr vert="horz" lIns="91440" tIns="45720" rIns="91440" bIns="45720" rtlCol="0" anchor="b" anchorCtr="0">
             <a:normAutofit/>
           </a:bodyPr>
           <a:lstStyle/>
@@ -2628,7 +2912,7 @@
               <a:rPr lang="en-US" smtClean="0"/>
               <a:t>Click to edit Master title style</a:t>
             </a:r>
-            <a:endParaRPr lang="en-US"/>
+            <a:endParaRPr lang="en-US" dirty="0"/>
           </a:p>
         </p:txBody>
       </p:sp>
@@ -2644,15 +2928,15 @@
         </p:nvSpPr>
         <p:spPr>
           <a:xfrm>
-            <a:off x="457200" y="1600200"/>
-            <a:ext cx="8229600" cy="4525963"/>
+            <a:off x="762000" y="685800"/>
+            <a:ext cx="7543800" cy="3886200"/>
           </a:xfrm>
           <a:prstGeom prst="rect">
             <a:avLst/>
           </a:prstGeom>
         </p:spPr>
         <p:txBody>
-          <a:bodyPr vert="horz" lIns="91440" tIns="45720" rIns="91440" bIns="45720" rtlCol="0">
+          <a:bodyPr vert="horz" lIns="91440" tIns="45720" rIns="91440" bIns="45720" rtlCol="0" anchor="ctr" anchorCtr="0">
             <a:normAutofit/>
           </a:bodyPr>
           <a:lstStyle/>
@@ -2690,7 +2974,7 @@
               <a:rPr lang="en-US" smtClean="0"/>
               <a:t>Fifth level</a:t>
             </a:r>
-            <a:endParaRPr lang="en-US"/>
+            <a:endParaRPr lang="en-US" dirty="0"/>
           </a:p>
         </p:txBody>
       </p:sp>
@@ -2706,7 +2990,7 @@
         </p:nvSpPr>
         <p:spPr>
           <a:xfrm>
-            <a:off x="457200" y="6356350"/>
+            <a:off x="6248400" y="6208776"/>
             <a:ext cx="2133600" cy="365125"/>
           </a:xfrm>
           <a:prstGeom prst="rect">
@@ -2716,39 +3000,79 @@
         <p:txBody>
           <a:bodyPr vert="horz" lIns="91440" tIns="45720" rIns="91440" bIns="45720" rtlCol="0" anchor="ctr"/>
           <a:lstStyle>
+            <a:lvl1pPr algn="r">
+              <a:defRPr sz="1200" b="1">
+                <a:solidFill>
+                  <a:schemeClr val="tx2">
+                    <a:lumMod val="90000"/>
+                    <a:lumOff val="10000"/>
+                  </a:schemeClr>
+                </a:solidFill>
+                <a:latin typeface="+mn-lt"/>
+              </a:defRPr>
+            </a:lvl1pPr>
+          </a:lstStyle>
+          <a:p>
+            <a:fld id="{462FE0B4-19B8-4AEE-BBDE-B616D322CBDD}" type="datetimeFigureOut">
+              <a:rPr lang="en-US" smtClean="0"/>
+              <a:t>6/15/2018</a:t>
+            </a:fld>
+            <a:endParaRPr lang="en-US"/>
+          </a:p>
+        </p:txBody>
+      </p:sp>
+      <p:sp>
+        <p:nvSpPr>
+          <p:cNvPr id="5" name="Footer Placeholder 4"/>
+          <p:cNvSpPr>
+            <a:spLocks noGrp="1"/>
+          </p:cNvSpPr>
+          <p:nvPr>
+            <p:ph type="ftr" sz="quarter" idx="3"/>
+          </p:nvPr>
+        </p:nvSpPr>
+        <p:spPr>
+          <a:xfrm>
+            <a:off x="761999" y="6208776"/>
+            <a:ext cx="4873869" cy="365125"/>
+          </a:xfrm>
+          <a:prstGeom prst="rect">
+            <a:avLst/>
+          </a:prstGeom>
+        </p:spPr>
+        <p:txBody>
+          <a:bodyPr vert="horz" lIns="91440" tIns="45720" rIns="91440" bIns="45720" rtlCol="0" anchor="ctr"/>
+          <a:lstStyle>
             <a:lvl1pPr algn="l">
-              <a:defRPr sz="1200">
+              <a:defRPr sz="1200" b="1">
                 <a:solidFill>
-                  <a:schemeClr val="tx1">
-                    <a:tint val="75000"/>
+                  <a:schemeClr val="tx2">
+                    <a:lumMod val="90000"/>
+                    <a:lumOff val="10000"/>
                   </a:schemeClr>
                 </a:solidFill>
               </a:defRPr>
             </a:lvl1pPr>
           </a:lstStyle>
           <a:p>
-            <a:fld id="{462FE0B4-19B8-4AEE-BBDE-B616D322CBDD}" type="datetimeFigureOut">
-              <a:rPr lang="en-US" smtClean="0"/>
-              <a:t>6/13/2018</a:t>
-            </a:fld>
             <a:endParaRPr lang="en-US"/>
           </a:p>
         </p:txBody>
       </p:sp>
       <p:sp>
         <p:nvSpPr>
-          <p:cNvPr id="5" name="Footer Placeholder 4"/>
-          <p:cNvSpPr>
-            <a:spLocks noGrp="1"/>
-          </p:cNvSpPr>
-          <p:nvPr>
-            <p:ph type="ftr" sz="quarter" idx="3"/>
+          <p:cNvPr id="6" name="Slide Number Placeholder 5"/>
+          <p:cNvSpPr>
+            <a:spLocks noGrp="1"/>
+          </p:cNvSpPr>
+          <p:nvPr>
+            <p:ph type="sldNum" sz="quarter" idx="4"/>
           </p:nvPr>
         </p:nvSpPr>
         <p:spPr>
           <a:xfrm>
-            <a:off x="3124200" y="6356350"/>
-            <a:ext cx="2895600" cy="365125"/>
+            <a:off x="7620000" y="5687568"/>
+            <a:ext cx="762000" cy="365125"/>
           </a:xfrm>
           <a:prstGeom prst="rect">
             <a:avLst/>
@@ -2757,230 +3081,362 @@
         <p:txBody>
           <a:bodyPr vert="horz" lIns="91440" tIns="45720" rIns="91440" bIns="45720" rtlCol="0" anchor="ctr"/>
           <a:lstStyle>
-            <a:lvl1pPr algn="ctr">
-              <a:defRPr sz="1200">
+            <a:lvl1pPr algn="r">
+              <a:defRPr sz="2400">
                 <a:solidFill>
                   <a:schemeClr val="tx1">
-                    <a:tint val="75000"/>
+                    <a:lumMod val="85000"/>
+                    <a:lumOff val="15000"/>
                   </a:schemeClr>
                 </a:solidFill>
+                <a:latin typeface="+mj-lt"/>
               </a:defRPr>
             </a:lvl1pPr>
           </a:lstStyle>
           <a:p>
+            <a:fld id="{5F2EB427-FE0E-4023-BB1E-E6581A37A592}" type="slidenum">
+              <a:rPr lang="en-US" smtClean="0"/>
+              <a:t>‹#›</a:t>
+            </a:fld>
             <a:endParaRPr lang="en-US"/>
           </a:p>
         </p:txBody>
       </p:sp>
       <p:sp>
         <p:nvSpPr>
-          <p:cNvPr id="6" name="Slide Number Placeholder 5"/>
-          <p:cNvSpPr>
-            <a:spLocks noGrp="1"/>
-          </p:cNvSpPr>
-          <p:nvPr>
-            <p:ph type="sldNum" sz="quarter" idx="4"/>
-          </p:nvPr>
+          <p:cNvPr id="8" name="Rectangle 7"/>
+          <p:cNvSpPr/>
+          <p:nvPr/>
         </p:nvSpPr>
         <p:spPr>
           <a:xfrm>
-            <a:off x="6553200" y="6356350"/>
-            <a:ext cx="2133600" cy="365125"/>
+            <a:off x="777240" y="0"/>
+            <a:ext cx="7543800" cy="381000"/>
           </a:xfrm>
           <a:prstGeom prst="rect">
             <a:avLst/>
           </a:prstGeom>
+          <a:ln>
+            <a:noFill/>
+          </a:ln>
         </p:spPr>
-        <p:txBody>
-          <a:bodyPr vert="horz" lIns="91440" tIns="45720" rIns="91440" bIns="45720" rtlCol="0" anchor="ctr"/>
-          <a:lstStyle>
-            <a:lvl1pPr algn="r">
-              <a:defRPr sz="1200">
-                <a:solidFill>
-                  <a:schemeClr val="tx1">
-                    <a:tint val="75000"/>
-                  </a:schemeClr>
-                </a:solidFill>
-              </a:defRPr>
-            </a:lvl1pPr>
-          </a:lstStyle>
-          <a:p>
-            <a:fld id="{5F2EB427-FE0E-4023-BB1E-E6581A37A592}" type="slidenum">
-              <a:rPr lang="en-US" smtClean="0"/>
-              <a:t>‹#›</a:t>
-            </a:fld>
+        <p:style>
+          <a:lnRef idx="2">
+            <a:schemeClr val="accent1">
+              <a:shade val="50000"/>
+            </a:schemeClr>
+          </a:lnRef>
+          <a:fillRef idx="1">
+            <a:schemeClr val="accent1"/>
+          </a:fillRef>
+          <a:effectRef idx="0">
+            <a:schemeClr val="accent1"/>
+          </a:effectRef>
+          <a:fontRef idx="minor">
+            <a:schemeClr val="lt1"/>
+          </a:fontRef>
+        </p:style>
+        <p:txBody>
+          <a:bodyPr rtlCol="0" anchor="ctr"/>
+          <a:lstStyle/>
+          <a:p>
+            <a:pPr algn="ctr"/>
             <a:endParaRPr lang="en-US"/>
           </a:p>
         </p:txBody>
       </p:sp>
+      <p:sp>
+        <p:nvSpPr>
+          <p:cNvPr id="9" name="Rectangle 8"/>
+          <p:cNvSpPr/>
+          <p:nvPr/>
+        </p:nvSpPr>
+        <p:spPr>
+          <a:xfrm>
+            <a:off x="777240" y="6172200"/>
+            <a:ext cx="7543800" cy="27432"/>
+          </a:xfrm>
+          <a:prstGeom prst="rect">
+            <a:avLst/>
+          </a:prstGeom>
+          <a:ln>
+            <a:noFill/>
+          </a:ln>
+        </p:spPr>
+        <p:style>
+          <a:lnRef idx="2">
+            <a:schemeClr val="accent1">
+              <a:shade val="50000"/>
+            </a:schemeClr>
+          </a:lnRef>
+          <a:fillRef idx="1">
+            <a:schemeClr val="accent1"/>
+          </a:fillRef>
+          <a:effectRef idx="0">
+            <a:schemeClr val="accent1"/>
+          </a:effectRef>
+          <a:fontRef idx="minor">
+            <a:schemeClr val="lt1"/>
+          </a:fontRef>
+        </p:style>
+        <p:txBody>
+          <a:bodyPr rtlCol="0" anchor="ctr"/>
+          <a:lstStyle/>
+          <a:p>
+            <a:pPr algn="ctr"/>
+            <a:endParaRPr lang="en-US"/>
+          </a:p>
+        </p:txBody>
+      </p:sp>
     </p:spTree>
-    <p:extLst>
-      <p:ext uri="{BB962C8B-B14F-4D97-AF65-F5344CB8AC3E}">
-        <p14:creationId xmlns:p14="http://schemas.microsoft.com/office/powerpoint/2010/main" val="1429784216"/>
-      </p:ext>
-    </p:extLst>
   </p:cSld>
   <p:clrMap bg1="lt1" tx1="dk1" bg2="lt2" tx2="dk2" accent1="accent1" accent2="accent2" accent3="accent3" accent4="accent4" accent5="accent5" accent6="accent6" hlink="hlink" folHlink="folHlink"/>
   <p:sldLayoutIdLst>
-    <p:sldLayoutId id="2147483649" r:id="rId1"/>
-    <p:sldLayoutId id="2147483650" r:id="rId2"/>
-    <p:sldLayoutId id="2147483651" r:id="rId3"/>
-    <p:sldLayoutId id="2147483652" r:id="rId4"/>
-    <p:sldLayoutId id="2147483653" r:id="rId5"/>
-    <p:sldLayoutId id="2147483654" r:id="rId6"/>
-    <p:sldLayoutId id="2147483655" r:id="rId7"/>
-    <p:sldLayoutId id="2147483656" r:id="rId8"/>
-    <p:sldLayoutId id="2147483657" r:id="rId9"/>
-    <p:sldLayoutId id="2147483658" r:id="rId10"/>
-    <p:sldLayoutId id="2147483659" r:id="rId11"/>
+    <p:sldLayoutId id="2147483661" r:id="rId1"/>
+    <p:sldLayoutId id="2147483662" r:id="rId2"/>
+    <p:sldLayoutId id="2147483663" r:id="rId3"/>
+    <p:sldLayoutId id="2147483664" r:id="rId4"/>
+    <p:sldLayoutId id="2147483665" r:id="rId5"/>
+    <p:sldLayoutId id="2147483666" r:id="rId6"/>
+    <p:sldLayoutId id="2147483667" r:id="rId7"/>
+    <p:sldLayoutId id="2147483668" r:id="rId8"/>
+    <p:sldLayoutId id="2147483669" r:id="rId9"/>
+    <p:sldLayoutId id="2147483670" r:id="rId10"/>
+    <p:sldLayoutId id="2147483671" r:id="rId11"/>
   </p:sldLayoutIdLst>
   <p:txStyles>
     <p:titleStyle>
-      <a:lvl1pPr algn="ctr" defTabSz="914400" rtl="0" eaLnBrk="1" latinLnBrk="0" hangingPunct="1">
+      <a:lvl1pPr algn="l" defTabSz="914400" rtl="0" eaLnBrk="1" latinLnBrk="0" hangingPunct="1">
         <a:spcBef>
           <a:spcPct val="0"/>
         </a:spcBef>
         <a:buNone/>
-        <a:defRPr sz="4400" kern="1200">
+        <a:defRPr sz="5400" kern="1200">
           <a:solidFill>
-            <a:schemeClr val="tx1"/>
+            <a:schemeClr val="tx1">
+              <a:lumMod val="85000"/>
+              <a:lumOff val="15000"/>
+            </a:schemeClr>
           </a:solidFill>
           <a:latin typeface="+mj-lt"/>
           <a:ea typeface="+mj-ea"/>
           <a:cs typeface="+mj-cs"/>
         </a:defRPr>
       </a:lvl1pPr>
+      <a:lvl2pPr eaLnBrk="1" hangingPunct="1">
+        <a:defRPr>
+          <a:solidFill>
+            <a:schemeClr val="tx2"/>
+          </a:solidFill>
+        </a:defRPr>
+      </a:lvl2pPr>
+      <a:lvl3pPr eaLnBrk="1" hangingPunct="1">
+        <a:defRPr>
+          <a:solidFill>
+            <a:schemeClr val="tx2"/>
+          </a:solidFill>
+        </a:defRPr>
+      </a:lvl3pPr>
+      <a:lvl4pPr eaLnBrk="1" hangingPunct="1">
+        <a:defRPr>
+          <a:solidFill>
+            <a:schemeClr val="tx2"/>
+          </a:solidFill>
+        </a:defRPr>
+      </a:lvl4pPr>
+      <a:lvl5pPr eaLnBrk="1" hangingPunct="1">
+        <a:defRPr>
+          <a:solidFill>
+            <a:schemeClr val="tx2"/>
+          </a:solidFill>
+        </a:defRPr>
+      </a:lvl5pPr>
+      <a:lvl6pPr eaLnBrk="1" hangingPunct="1">
+        <a:defRPr>
+          <a:solidFill>
+            <a:schemeClr val="tx2"/>
+          </a:solidFill>
+        </a:defRPr>
+      </a:lvl6pPr>
+      <a:lvl7pPr eaLnBrk="1" hangingPunct="1">
+        <a:defRPr>
+          <a:solidFill>
+            <a:schemeClr val="tx2"/>
+          </a:solidFill>
+        </a:defRPr>
+      </a:lvl7pPr>
+      <a:lvl8pPr eaLnBrk="1" hangingPunct="1">
+        <a:defRPr>
+          <a:solidFill>
+            <a:schemeClr val="tx2"/>
+          </a:solidFill>
+        </a:defRPr>
+      </a:lvl8pPr>
+      <a:lvl9pPr eaLnBrk="1" hangingPunct="1">
+        <a:defRPr>
+          <a:solidFill>
+            <a:schemeClr val="tx2"/>
+          </a:solidFill>
+        </a:defRPr>
+      </a:lvl9pPr>
     </p:titleStyle>
     <p:bodyStyle>
-      <a:lvl1pPr marL="342900" indent="-342900" algn="l" defTabSz="914400" rtl="0" eaLnBrk="1" latinLnBrk="0" hangingPunct="1">
+      <a:lvl1pPr marL="274320" indent="-274320" algn="l" defTabSz="914400" rtl="0" eaLnBrk="1" latinLnBrk="0" hangingPunct="1">
         <a:spcBef>
           <a:spcPct val="20000"/>
         </a:spcBef>
-        <a:buFont typeface="Arial" panose="020B0604020202020204" pitchFamily="34" charset="0"/>
+        <a:buClr>
+          <a:schemeClr val="accent1"/>
+        </a:buClr>
+        <a:buFont typeface="Arial" pitchFamily="34" charset="0"/>
         <a:buChar char="•"/>
-        <a:defRPr sz="3200" kern="1200">
+        <a:defRPr sz="2400" kern="1200">
           <a:solidFill>
-            <a:schemeClr val="tx1"/>
+            <a:schemeClr val="tx2"/>
           </a:solidFill>
           <a:latin typeface="+mn-lt"/>
           <a:ea typeface="+mn-ea"/>
           <a:cs typeface="+mn-cs"/>
         </a:defRPr>
       </a:lvl1pPr>
-      <a:lvl2pPr marL="742950" indent="-285750" algn="l" defTabSz="914400" rtl="0" eaLnBrk="1" latinLnBrk="0" hangingPunct="1">
+      <a:lvl2pPr marL="594360" indent="-274320" algn="l" defTabSz="914400" rtl="0" eaLnBrk="1" latinLnBrk="0" hangingPunct="1">
         <a:spcBef>
           <a:spcPct val="20000"/>
         </a:spcBef>
-        <a:buFont typeface="Arial" panose="020B0604020202020204" pitchFamily="34" charset="0"/>
-        <a:buChar char="–"/>
-        <a:defRPr sz="2800" kern="1200">
+        <a:buClr>
+          <a:schemeClr val="accent1"/>
+        </a:buClr>
+        <a:buFont typeface="Arial" pitchFamily="34" charset="0"/>
+        <a:buChar char="•"/>
+        <a:defRPr sz="2200" kern="1200">
           <a:solidFill>
-            <a:schemeClr val="tx1"/>
+            <a:schemeClr val="tx2"/>
           </a:solidFill>
           <a:latin typeface="+mn-lt"/>
           <a:ea typeface="+mn-ea"/>
           <a:cs typeface="+mn-cs"/>
         </a:defRPr>
       </a:lvl2pPr>
-      <a:lvl3pPr marL="1143000" indent="-228600" algn="l" defTabSz="914400" rtl="0" eaLnBrk="1" latinLnBrk="0" hangingPunct="1">
+      <a:lvl3pPr marL="868680" indent="-228600" algn="l" defTabSz="914400" rtl="0" eaLnBrk="1" latinLnBrk="0" hangingPunct="1">
         <a:spcBef>
           <a:spcPct val="20000"/>
         </a:spcBef>
-        <a:buFont typeface="Arial" panose="020B0604020202020204" pitchFamily="34" charset="0"/>
+        <a:buClr>
+          <a:schemeClr val="accent1"/>
+        </a:buClr>
+        <a:buFont typeface="Arial" pitchFamily="34" charset="0"/>
         <a:buChar char="•"/>
-        <a:defRPr sz="2400" kern="1200">
+        <a:defRPr sz="2000" kern="1200">
           <a:solidFill>
-            <a:schemeClr val="tx1"/>
+            <a:schemeClr val="tx2"/>
           </a:solidFill>
           <a:latin typeface="+mn-lt"/>
           <a:ea typeface="+mn-ea"/>
           <a:cs typeface="+mn-cs"/>
         </a:defRPr>
       </a:lvl3pPr>
-      <a:lvl4pPr marL="1600200" indent="-228600" algn="l" defTabSz="914400" rtl="0" eaLnBrk="1" latinLnBrk="0" hangingPunct="1">
+      <a:lvl4pPr marL="1143000" indent="-228600" algn="l" defTabSz="914400" rtl="0" eaLnBrk="1" latinLnBrk="0" hangingPunct="1">
         <a:spcBef>
           <a:spcPct val="20000"/>
         </a:spcBef>
-        <a:buFont typeface="Arial" panose="020B0604020202020204" pitchFamily="34" charset="0"/>
-        <a:buChar char="–"/>
-        <a:defRPr sz="2000" kern="1200">
+        <a:buClr>
+          <a:schemeClr val="accent1"/>
+        </a:buClr>
+        <a:buFont typeface="Arial" pitchFamily="34" charset="0"/>
+        <a:buChar char="•"/>
+        <a:defRPr sz="1800" kern="1200">
           <a:solidFill>
-            <a:schemeClr val="tx1"/>
+            <a:schemeClr val="tx2"/>
           </a:solidFill>
           <a:latin typeface="+mn-lt"/>
           <a:ea typeface="+mn-ea"/>
           <a:cs typeface="+mn-cs"/>
         </a:defRPr>
       </a:lvl4pPr>
-      <a:lvl5pPr marL="2057400" indent="-228600" algn="l" defTabSz="914400" rtl="0" eaLnBrk="1" latinLnBrk="0" hangingPunct="1">
+      <a:lvl5pPr marL="1371600" indent="-228600" algn="l" defTabSz="914400" rtl="0" eaLnBrk="1" latinLnBrk="0" hangingPunct="1">
         <a:spcBef>
           <a:spcPct val="20000"/>
         </a:spcBef>
-        <a:buFont typeface="Arial" panose="020B0604020202020204" pitchFamily="34" charset="0"/>
-        <a:buChar char="»"/>
-        <a:defRPr sz="2000" kern="1200">
+        <a:buClr>
+          <a:schemeClr val="accent1"/>
+        </a:buClr>
+        <a:buFont typeface="Arial" pitchFamily="34" charset="0"/>
+        <a:buChar char="•"/>
+        <a:defRPr sz="1800" kern="1200" baseline="0">
           <a:solidFill>
-            <a:schemeClr val="tx1"/>
+            <a:schemeClr val="tx2"/>
           </a:solidFill>
           <a:latin typeface="+mn-lt"/>
           <a:ea typeface="+mn-ea"/>
           <a:cs typeface="+mn-cs"/>
         </a:defRPr>
       </a:lvl5pPr>
-      <a:lvl6pPr marL="2514600" indent="-228600" algn="l" defTabSz="914400" rtl="0" eaLnBrk="1" latinLnBrk="0" hangingPunct="1">
+      <a:lvl6pPr marL="1645920" indent="-228600" algn="l" defTabSz="914400" rtl="0" eaLnBrk="1" latinLnBrk="0" hangingPunct="1">
         <a:spcBef>
           <a:spcPct val="20000"/>
         </a:spcBef>
-        <a:buFont typeface="Arial" panose="020B0604020202020204" pitchFamily="34" charset="0"/>
+        <a:buClr>
+          <a:schemeClr val="accent1"/>
+        </a:buClr>
+        <a:buFont typeface="Arial" pitchFamily="34" charset="0"/>
         <a:buChar char="•"/>
-        <a:defRPr sz="2000" kern="1200">
+        <a:defRPr sz="1600" kern="1200">
           <a:solidFill>
-            <a:schemeClr val="tx1"/>
+            <a:schemeClr val="tx2"/>
           </a:solidFill>
           <a:latin typeface="+mn-lt"/>
           <a:ea typeface="+mn-ea"/>
           <a:cs typeface="+mn-cs"/>
         </a:defRPr>
       </a:lvl6pPr>
-      <a:lvl7pPr marL="2971800" indent="-228600" algn="l" defTabSz="914400" rtl="0" eaLnBrk="1" latinLnBrk="0" hangingPunct="1">
+      <a:lvl7pPr marL="1901952" indent="-228600" algn="l" defTabSz="914400" rtl="0" eaLnBrk="1" latinLnBrk="0" hangingPunct="1">
         <a:spcBef>
           <a:spcPct val="20000"/>
         </a:spcBef>
-        <a:buFont typeface="Arial" panose="020B0604020202020204" pitchFamily="34" charset="0"/>
+        <a:buClr>
+          <a:schemeClr val="accent1"/>
+        </a:buClr>
+        <a:buFont typeface="Arial" pitchFamily="34" charset="0"/>
         <a:buChar char="•"/>
-        <a:defRPr sz="2000" kern="1200">
+        <a:defRPr sz="1600" kern="1200">
           <a:solidFill>
-            <a:schemeClr val="tx1"/>
+            <a:schemeClr val="tx2"/>
           </a:solidFill>
           <a:latin typeface="+mn-lt"/>
           <a:ea typeface="+mn-ea"/>
           <a:cs typeface="+mn-cs"/>
         </a:defRPr>
       </a:lvl7pPr>
-      <a:lvl8pPr marL="3429000" indent="-228600" algn="l" defTabSz="914400" rtl="0" eaLnBrk="1" latinLnBrk="0" hangingPunct="1">
+      <a:lvl8pPr marL="2194560" indent="-228600" algn="l" defTabSz="914400" rtl="0" eaLnBrk="1" latinLnBrk="0" hangingPunct="1">
         <a:spcBef>
           <a:spcPct val="20000"/>
         </a:spcBef>
-        <a:buFont typeface="Arial" panose="020B0604020202020204" pitchFamily="34" charset="0"/>
+        <a:buClr>
+          <a:schemeClr val="accent1"/>
+        </a:buClr>
+        <a:buFont typeface="Arial" pitchFamily="34" charset="0"/>
         <a:buChar char="•"/>
-        <a:defRPr sz="2000" kern="1200">
+        <a:defRPr sz="1600" kern="1200">
           <a:solidFill>
-            <a:schemeClr val="tx1"/>
+            <a:schemeClr val="tx2"/>
           </a:solidFill>
           <a:latin typeface="+mn-lt"/>
           <a:ea typeface="+mn-ea"/>
           <a:cs typeface="+mn-cs"/>
         </a:defRPr>
       </a:lvl8pPr>
-      <a:lvl9pPr marL="3886200" indent="-228600" algn="l" defTabSz="914400" rtl="0" eaLnBrk="1" latinLnBrk="0" hangingPunct="1">
+      <a:lvl9pPr marL="2468880" indent="-228600" algn="l" defTabSz="914400" rtl="0" eaLnBrk="1" latinLnBrk="0" hangingPunct="1">
         <a:spcBef>
           <a:spcPct val="20000"/>
         </a:spcBef>
-        <a:buFont typeface="Arial" panose="020B0604020202020204" pitchFamily="34" charset="0"/>
+        <a:buClr>
+          <a:schemeClr val="accent1"/>
+        </a:buClr>
+        <a:buFont typeface="Arial" pitchFamily="34" charset="0"/>
         <a:buChar char="•"/>
-        <a:defRPr sz="2000" kern="1200">
+        <a:defRPr sz="1600" kern="1200">
           <a:solidFill>
-            <a:schemeClr val="tx1"/>
+            <a:schemeClr val="tx2"/>
           </a:solidFill>
           <a:latin typeface="+mn-lt"/>
           <a:ea typeface="+mn-ea"/>
@@ -3114,7 +3570,12 @@
             <p:ph type="ctrTitle"/>
           </p:nvPr>
         </p:nvSpPr>
-        <p:spPr/>
+        <p:spPr>
+          <a:xfrm>
+            <a:off x="762000" y="3505200"/>
+            <a:ext cx="7543800" cy="1524000"/>
+          </a:xfrm>
+        </p:spPr>
         <p:txBody>
           <a:bodyPr/>
           <a:lstStyle/>
@@ -3123,6 +3584,13 @@
               <a:rPr lang="en-US" dirty="0" smtClean="0"/>
               <a:t>Picture Perfect</a:t>
             </a:r>
+            <a:br>
+              <a:rPr lang="en-US" dirty="0" smtClean="0"/>
+            </a:br>
+            <a:r>
+              <a:rPr lang="en-US" sz="2400" dirty="0" smtClean="0"/>
+              <a:t>Using machine learning to capture pictures at the right moment</a:t>
+            </a:r>
             <a:endParaRPr lang="en-US" dirty="0"/>
           </a:p>
         </p:txBody>
@@ -3139,20 +3607,36 @@
         </p:nvSpPr>
         <p:spPr/>
         <p:txBody>
-          <a:bodyPr/>
-          <a:lstStyle/>
-          <a:p>
-            <a:r>
-              <a:rPr lang="en-US" dirty="0" smtClean="0"/>
-              <a:t>Using machine learning</a:t>
-            </a:r>
-          </a:p>
-          <a:p>
-            <a:r>
-              <a:rPr lang="en-US" dirty="0" smtClean="0"/>
-              <a:t>to capture the right picture</a:t>
-            </a:r>
-            <a:endParaRPr lang="en-US" dirty="0"/>
+          <a:bodyPr anchor="b">
+            <a:normAutofit/>
+          </a:bodyPr>
+          <a:lstStyle/>
+          <a:p>
+            <a:r>
+              <a:rPr lang="en-US" sz="2000" dirty="0" smtClean="0">
+                <a:latin typeface="Cambria" panose="02040503050406030204" pitchFamily="18" charset="0"/>
+                <a:ea typeface="Cambria" panose="02040503050406030204" pitchFamily="18" charset="0"/>
+              </a:rPr>
+              <a:t>Contributors: Ernest Lee, Abhishek Banerjee, </a:t>
+            </a:r>
+            <a:r>
+              <a:rPr lang="en-US" sz="2000" dirty="0" err="1" smtClean="0">
+                <a:latin typeface="Cambria" panose="02040503050406030204" pitchFamily="18" charset="0"/>
+                <a:ea typeface="Cambria" panose="02040503050406030204" pitchFamily="18" charset="0"/>
+              </a:rPr>
+              <a:t>Somyajit</a:t>
+            </a:r>
+            <a:r>
+              <a:rPr lang="en-US" sz="2000" dirty="0" smtClean="0">
+                <a:latin typeface="Cambria" panose="02040503050406030204" pitchFamily="18" charset="0"/>
+                <a:ea typeface="Cambria" panose="02040503050406030204" pitchFamily="18" charset="0"/>
+              </a:rPr>
+              <a:t> Jena</a:t>
+            </a:r>
+            <a:endParaRPr lang="en-US" sz="2000" dirty="0">
+              <a:latin typeface="Cambria" panose="02040503050406030204" pitchFamily="18" charset="0"/>
+              <a:ea typeface="Cambria" panose="02040503050406030204" pitchFamily="18" charset="0"/>
+            </a:endParaRPr>
           </a:p>
         </p:txBody>
       </p:sp>
@@ -3166,6 +3650,13 @@
   <p:clrMapOvr>
     <a:masterClrMapping/>
   </p:clrMapOvr>
+  <p:timing>
+    <p:tnLst>
+      <p:par>
+        <p:cTn id="1" dur="indefinite" restart="never" nodeType="tmRoot"/>
+      </p:par>
+    </p:tnLst>
+  </p:timing>
 </p:sld>
 </file>
 
@@ -3198,36 +3689,878 @@
         </p:nvSpPr>
         <p:spPr/>
         <p:txBody>
+          <a:bodyPr>
+            <a:normAutofit fontScale="90000"/>
+          </a:bodyPr>
+          <a:lstStyle/>
+          <a:p>
+            <a:r>
+              <a:rPr lang="en-US" dirty="0" smtClean="0"/>
+              <a:t>Creating a training and testing set</a:t>
+            </a:r>
+            <a:endParaRPr lang="en-US" dirty="0"/>
+          </a:p>
+        </p:txBody>
+      </p:sp>
+      <p:sp>
+        <p:nvSpPr>
+          <p:cNvPr id="3" name="Content Placeholder 2"/>
+          <p:cNvSpPr>
+            <a:spLocks noGrp="1"/>
+          </p:cNvSpPr>
+          <p:nvPr>
+            <p:ph idx="1"/>
+          </p:nvPr>
+        </p:nvSpPr>
+        <p:spPr/>
+        <p:txBody>
           <a:bodyPr/>
           <a:lstStyle/>
           <a:p>
+            <a:r>
+              <a:rPr lang="en-US" dirty="0" smtClean="0"/>
+              <a:t>75% of the data was used as training data (300 images)</a:t>
+            </a:r>
+          </a:p>
+          <a:p>
+            <a:r>
+              <a:rPr lang="en-US" dirty="0" smtClean="0"/>
+              <a:t>25% of the data was used as testing data (100 images)</a:t>
+            </a:r>
+          </a:p>
+          <a:p>
+            <a:endParaRPr lang="en-US" dirty="0"/>
+          </a:p>
+        </p:txBody>
+      </p:sp>
+      <p:pic>
+        <p:nvPicPr>
+          <p:cNvPr id="3074" name="Picture 2" descr="C:\Users\MKC\Documents\UCSC training\Machine Learning\Team project\faces0to100.jpg"/>
+          <p:cNvPicPr>
+            <a:picLocks noChangeAspect="1" noChangeArrowheads="1"/>
+          </p:cNvPicPr>
+          <p:nvPr/>
+        </p:nvPicPr>
+        <p:blipFill>
+          <a:blip r:embed="rId2" cstate="print">
+            <a:extLst>
+              <a:ext uri="{28A0092B-C50C-407E-A947-70E740481C1C}">
+                <a14:useLocalDpi xmlns:a14="http://schemas.microsoft.com/office/drawing/2010/main" val="0"/>
+              </a:ext>
+            </a:extLst>
+          </a:blip>
+          <a:srcRect/>
+          <a:stretch>
+            <a:fillRect/>
+          </a:stretch>
+        </p:blipFill>
+        <p:spPr bwMode="auto">
+          <a:xfrm>
+            <a:off x="990600" y="3505200"/>
+            <a:ext cx="1550505" cy="1828800"/>
+          </a:xfrm>
+          <a:prstGeom prst="rect">
+            <a:avLst/>
+          </a:prstGeom>
+          <a:noFill/>
+          <a:extLst>
+            <a:ext uri="{909E8E84-426E-40DD-AFC4-6F175D3DCCD1}">
+              <a14:hiddenFill xmlns:a14="http://schemas.microsoft.com/office/drawing/2010/main">
+                <a:solidFill>
+                  <a:srgbClr val="FFFFFF"/>
+                </a:solidFill>
+              </a14:hiddenFill>
+            </a:ext>
+          </a:extLst>
+        </p:spPr>
+      </p:pic>
+      <p:pic>
+        <p:nvPicPr>
+          <p:cNvPr id="3075" name="Picture 3" descr="C:\Users\MKC\Documents\UCSC training\Machine Learning\Team project\faces100to200.jpg"/>
+          <p:cNvPicPr>
+            <a:picLocks noChangeAspect="1" noChangeArrowheads="1"/>
+          </p:cNvPicPr>
+          <p:nvPr/>
+        </p:nvPicPr>
+        <p:blipFill>
+          <a:blip r:embed="rId3" cstate="print">
+            <a:extLst>
+              <a:ext uri="{28A0092B-C50C-407E-A947-70E740481C1C}">
+                <a14:useLocalDpi xmlns:a14="http://schemas.microsoft.com/office/drawing/2010/main" val="0"/>
+              </a:ext>
+            </a:extLst>
+          </a:blip>
+          <a:srcRect/>
+          <a:stretch>
+            <a:fillRect/>
+          </a:stretch>
+        </p:blipFill>
+        <p:spPr bwMode="auto">
+          <a:xfrm>
+            <a:off x="2623014" y="3515264"/>
+            <a:ext cx="1491786" cy="1828800"/>
+          </a:xfrm>
+          <a:prstGeom prst="rect">
+            <a:avLst/>
+          </a:prstGeom>
+          <a:noFill/>
+          <a:extLst>
+            <a:ext uri="{909E8E84-426E-40DD-AFC4-6F175D3DCCD1}">
+              <a14:hiddenFill xmlns:a14="http://schemas.microsoft.com/office/drawing/2010/main">
+                <a:solidFill>
+                  <a:srgbClr val="FFFFFF"/>
+                </a:solidFill>
+              </a14:hiddenFill>
+            </a:ext>
+          </a:extLst>
+        </p:spPr>
+      </p:pic>
+      <p:pic>
+        <p:nvPicPr>
+          <p:cNvPr id="3076" name="Picture 4" descr="C:\Users\MKC\Documents\UCSC training\Machine Learning\Team project\faces200to300.jpg"/>
+          <p:cNvPicPr>
+            <a:picLocks noChangeAspect="1" noChangeArrowheads="1"/>
+          </p:cNvPicPr>
+          <p:nvPr/>
+        </p:nvPicPr>
+        <p:blipFill>
+          <a:blip r:embed="rId4" cstate="print">
+            <a:extLst>
+              <a:ext uri="{28A0092B-C50C-407E-A947-70E740481C1C}">
+                <a14:useLocalDpi xmlns:a14="http://schemas.microsoft.com/office/drawing/2010/main" val="0"/>
+              </a:ext>
+            </a:extLst>
+          </a:blip>
+          <a:srcRect/>
+          <a:stretch>
+            <a:fillRect/>
+          </a:stretch>
+        </p:blipFill>
+        <p:spPr bwMode="auto">
+          <a:xfrm>
+            <a:off x="4214446" y="3502325"/>
+            <a:ext cx="1500554" cy="1828800"/>
+          </a:xfrm>
+          <a:prstGeom prst="rect">
+            <a:avLst/>
+          </a:prstGeom>
+          <a:noFill/>
+          <a:extLst>
+            <a:ext uri="{909E8E84-426E-40DD-AFC4-6F175D3DCCD1}">
+              <a14:hiddenFill xmlns:a14="http://schemas.microsoft.com/office/drawing/2010/main">
+                <a:solidFill>
+                  <a:srgbClr val="FFFFFF"/>
+                </a:solidFill>
+              </a14:hiddenFill>
+            </a:ext>
+          </a:extLst>
+        </p:spPr>
+      </p:pic>
+      <p:pic>
+        <p:nvPicPr>
+          <p:cNvPr id="3077" name="Picture 5" descr="C:\Users\MKC\Documents\UCSC training\Machine Learning\Team project\faces300to400.jpg"/>
+          <p:cNvPicPr>
+            <a:picLocks noChangeAspect="1" noChangeArrowheads="1"/>
+          </p:cNvPicPr>
+          <p:nvPr/>
+        </p:nvPicPr>
+        <p:blipFill>
+          <a:blip r:embed="rId5" cstate="print">
+            <a:extLst>
+              <a:ext uri="{28A0092B-C50C-407E-A947-70E740481C1C}">
+                <a14:useLocalDpi xmlns:a14="http://schemas.microsoft.com/office/drawing/2010/main" val="0"/>
+              </a:ext>
+            </a:extLst>
+          </a:blip>
+          <a:srcRect/>
+          <a:stretch>
+            <a:fillRect/>
+          </a:stretch>
+        </p:blipFill>
+        <p:spPr bwMode="auto">
+          <a:xfrm>
+            <a:off x="6477000" y="3499450"/>
+            <a:ext cx="1532638" cy="1828800"/>
+          </a:xfrm>
+          <a:prstGeom prst="rect">
+            <a:avLst/>
+          </a:prstGeom>
+          <a:noFill/>
+          <a:extLst>
+            <a:ext uri="{909E8E84-426E-40DD-AFC4-6F175D3DCCD1}">
+              <a14:hiddenFill xmlns:a14="http://schemas.microsoft.com/office/drawing/2010/main">
+                <a:solidFill>
+                  <a:srgbClr val="FFFFFF"/>
+                </a:solidFill>
+              </a14:hiddenFill>
+            </a:ext>
+          </a:extLst>
+        </p:spPr>
+      </p:pic>
+      <p:sp>
+        <p:nvSpPr>
+          <p:cNvPr id="4" name="TextBox 3"/>
+          <p:cNvSpPr txBox="1"/>
+          <p:nvPr/>
+        </p:nvSpPr>
+        <p:spPr>
+          <a:xfrm>
+            <a:off x="2636238" y="5424743"/>
+            <a:ext cx="1465338" cy="369332"/>
+          </a:xfrm>
+          <a:prstGeom prst="rect">
+            <a:avLst/>
+          </a:prstGeom>
+          <a:noFill/>
+        </p:spPr>
+        <p:txBody>
+          <a:bodyPr wrap="none" rtlCol="0">
+            <a:spAutoFit/>
+          </a:bodyPr>
+          <a:lstStyle/>
+          <a:p>
+            <a:pPr algn="ctr"/>
+            <a:r>
+              <a:rPr lang="en-US" dirty="0" smtClean="0"/>
+              <a:t>Training Data</a:t>
+            </a:r>
+            <a:endParaRPr lang="en-US" dirty="0"/>
+          </a:p>
+        </p:txBody>
+      </p:sp>
+      <p:sp>
+        <p:nvSpPr>
+          <p:cNvPr id="9" name="TextBox 8"/>
+          <p:cNvSpPr txBox="1"/>
+          <p:nvPr/>
+        </p:nvSpPr>
+        <p:spPr>
+          <a:xfrm>
+            <a:off x="6565922" y="5436244"/>
+            <a:ext cx="1354794" cy="369332"/>
+          </a:xfrm>
+          <a:prstGeom prst="rect">
+            <a:avLst/>
+          </a:prstGeom>
+          <a:noFill/>
+        </p:spPr>
+        <p:txBody>
+          <a:bodyPr wrap="none" rtlCol="0">
+            <a:spAutoFit/>
+          </a:bodyPr>
+          <a:lstStyle/>
+          <a:p>
+            <a:pPr algn="ctr"/>
+            <a:r>
+              <a:rPr lang="en-US" dirty="0" smtClean="0"/>
+              <a:t>Testing Data</a:t>
+            </a:r>
+            <a:endParaRPr lang="en-US" dirty="0"/>
+          </a:p>
+        </p:txBody>
+      </p:sp>
+    </p:spTree>
+    <p:extLst>
+      <p:ext uri="{BB962C8B-B14F-4D97-AF65-F5344CB8AC3E}">
+        <p14:creationId xmlns:p14="http://schemas.microsoft.com/office/powerpoint/2010/main" val="1286620707"/>
+      </p:ext>
+    </p:extLst>
+  </p:cSld>
+  <p:clrMapOvr>
+    <a:masterClrMapping/>
+  </p:clrMapOvr>
+</p:sld>
+</file>
+
+<file path=ppt/slides/slide11.xml><?xml version="1.0" encoding="utf-8"?>
+<p:sld xmlns:a="http://schemas.openxmlformats.org/drawingml/2006/main" xmlns:r="http://schemas.openxmlformats.org/officeDocument/2006/relationships" xmlns:p="http://schemas.openxmlformats.org/presentationml/2006/main">
+  <p:cSld>
+    <p:spTree>
+      <p:nvGrpSpPr>
+        <p:cNvPr id="1" name=""/>
+        <p:cNvGrpSpPr/>
+        <p:nvPr/>
+      </p:nvGrpSpPr>
+      <p:grpSpPr>
+        <a:xfrm>
+          <a:off x="0" y="0"/>
+          <a:ext cx="0" cy="0"/>
+          <a:chOff x="0" y="0"/>
+          <a:chExt cx="0" cy="0"/>
+        </a:xfrm>
+      </p:grpSpPr>
+      <p:sp>
+        <p:nvSpPr>
+          <p:cNvPr id="2" name="Title 1"/>
+          <p:cNvSpPr>
+            <a:spLocks noGrp="1"/>
+          </p:cNvSpPr>
+          <p:nvPr>
+            <p:ph type="title"/>
+          </p:nvPr>
+        </p:nvSpPr>
+        <p:spPr/>
+        <p:txBody>
+          <a:bodyPr>
+            <a:normAutofit fontScale="90000"/>
+          </a:bodyPr>
+          <a:lstStyle/>
+          <a:p>
+            <a:r>
+              <a:rPr lang="en-US" dirty="0" smtClean="0"/>
+              <a:t>How do we build our classifier?</a:t>
+            </a:r>
+            <a:endParaRPr lang="en-US" dirty="0"/>
+          </a:p>
+        </p:txBody>
+      </p:sp>
+      <p:sp>
+        <p:nvSpPr>
+          <p:cNvPr id="3" name="Content Placeholder 2"/>
+          <p:cNvSpPr>
+            <a:spLocks noGrp="1"/>
+          </p:cNvSpPr>
+          <p:nvPr>
+            <p:ph idx="1"/>
+          </p:nvPr>
+        </p:nvSpPr>
+        <p:spPr/>
+        <p:txBody>
+          <a:bodyPr/>
+          <a:lstStyle/>
+          <a:p>
+            <a:r>
+              <a:rPr lang="en-US" dirty="0" smtClean="0"/>
+              <a:t>This is similar to MNIST because it uses images</a:t>
+            </a:r>
+          </a:p>
+          <a:p>
+            <a:r>
+              <a:rPr lang="en-US" dirty="0" smtClean="0"/>
+              <a:t>Images can be converted to a single array of digits</a:t>
+            </a:r>
+          </a:p>
+          <a:p>
+            <a:r>
+              <a:rPr lang="en-US" dirty="0" smtClean="0"/>
+              <a:t>Since a single image contains 10,304 elements, we can use Principal Component Analysis to reduce the dimensionality!</a:t>
+            </a:r>
+            <a:endParaRPr lang="en-US" dirty="0"/>
+          </a:p>
+        </p:txBody>
+      </p:sp>
+    </p:spTree>
+    <p:extLst>
+      <p:ext uri="{BB962C8B-B14F-4D97-AF65-F5344CB8AC3E}">
+        <p14:creationId xmlns:p14="http://schemas.microsoft.com/office/powerpoint/2010/main" val="1045244087"/>
+      </p:ext>
+    </p:extLst>
+  </p:cSld>
+  <p:clrMapOvr>
+    <a:masterClrMapping/>
+  </p:clrMapOvr>
+  <p:timing>
+    <p:tnLst>
+      <p:par>
+        <p:cTn id="1" dur="indefinite" restart="never" nodeType="tmRoot"/>
+      </p:par>
+    </p:tnLst>
+  </p:timing>
+</p:sld>
+</file>
+
+<file path=ppt/slides/slide12.xml><?xml version="1.0" encoding="utf-8"?>
+<p:sld xmlns:a="http://schemas.openxmlformats.org/drawingml/2006/main" xmlns:r="http://schemas.openxmlformats.org/officeDocument/2006/relationships" xmlns:p="http://schemas.openxmlformats.org/presentationml/2006/main">
+  <p:cSld>
+    <p:spTree>
+      <p:nvGrpSpPr>
+        <p:cNvPr id="1" name=""/>
+        <p:cNvGrpSpPr/>
+        <p:nvPr/>
+      </p:nvGrpSpPr>
+      <p:grpSpPr>
+        <a:xfrm>
+          <a:off x="0" y="0"/>
+          <a:ext cx="0" cy="0"/>
+          <a:chOff x="0" y="0"/>
+          <a:chExt cx="0" cy="0"/>
+        </a:xfrm>
+      </p:grpSpPr>
+      <p:sp>
+        <p:nvSpPr>
+          <p:cNvPr id="2" name="Title 1"/>
+          <p:cNvSpPr>
+            <a:spLocks noGrp="1"/>
+          </p:cNvSpPr>
+          <p:nvPr>
+            <p:ph type="title"/>
+          </p:nvPr>
+        </p:nvSpPr>
+        <p:spPr/>
+        <p:txBody>
+          <a:bodyPr>
+            <a:normAutofit fontScale="90000"/>
+          </a:bodyPr>
+          <a:lstStyle/>
+          <a:p>
+            <a:r>
+              <a:rPr lang="en-US" dirty="0" smtClean="0"/>
+              <a:t>Principal Component Analysis</a:t>
+            </a:r>
+            <a:endParaRPr lang="en-US" dirty="0"/>
+          </a:p>
+        </p:txBody>
+      </p:sp>
+      <p:sp>
+        <p:nvSpPr>
+          <p:cNvPr id="3" name="Content Placeholder 2"/>
+          <p:cNvSpPr>
+            <a:spLocks noGrp="1"/>
+          </p:cNvSpPr>
+          <p:nvPr>
+            <p:ph idx="1"/>
+          </p:nvPr>
+        </p:nvSpPr>
+        <p:spPr/>
+        <p:txBody>
+          <a:bodyPr/>
+          <a:lstStyle/>
+          <a:p>
+            <a:r>
+              <a:rPr lang="en-US" dirty="0" smtClean="0"/>
+              <a:t>SK learn was used to calculate the first and second principal </a:t>
+            </a:r>
+            <a:r>
+              <a:rPr lang="en-US" dirty="0" smtClean="0"/>
+              <a:t>components</a:t>
+            </a:r>
+          </a:p>
+          <a:p>
+            <a:r>
+              <a:rPr lang="en-US" dirty="0" smtClean="0"/>
+              <a:t>A scatter plot was generated to help visualize the data</a:t>
+            </a:r>
+            <a:endParaRPr lang="en-US" dirty="0"/>
+          </a:p>
+        </p:txBody>
+      </p:sp>
+    </p:spTree>
+    <p:extLst>
+      <p:ext uri="{BB962C8B-B14F-4D97-AF65-F5344CB8AC3E}">
+        <p14:creationId xmlns:p14="http://schemas.microsoft.com/office/powerpoint/2010/main" val="3988349205"/>
+      </p:ext>
+    </p:extLst>
+  </p:cSld>
+  <p:clrMapOvr>
+    <a:masterClrMapping/>
+  </p:clrMapOvr>
+  <p:timing>
+    <p:tnLst>
+      <p:par>
+        <p:cTn id="1" dur="indefinite" restart="never" nodeType="tmRoot"/>
+      </p:par>
+    </p:tnLst>
+  </p:timing>
+</p:sld>
+</file>
+
+<file path=ppt/slides/slide13.xml><?xml version="1.0" encoding="utf-8"?>
+<p:sld xmlns:a="http://schemas.openxmlformats.org/drawingml/2006/main" xmlns:r="http://schemas.openxmlformats.org/officeDocument/2006/relationships" xmlns:p="http://schemas.openxmlformats.org/presentationml/2006/main">
+  <p:cSld>
+    <p:spTree>
+      <p:nvGrpSpPr>
+        <p:cNvPr id="1" name=""/>
+        <p:cNvGrpSpPr/>
+        <p:nvPr/>
+      </p:nvGrpSpPr>
+      <p:grpSpPr>
+        <a:xfrm>
+          <a:off x="0" y="0"/>
+          <a:ext cx="0" cy="0"/>
+          <a:chOff x="0" y="0"/>
+          <a:chExt cx="0" cy="0"/>
+        </a:xfrm>
+      </p:grpSpPr>
+      <p:sp>
+        <p:nvSpPr>
+          <p:cNvPr id="2" name="Title 1"/>
+          <p:cNvSpPr>
+            <a:spLocks noGrp="1"/>
+          </p:cNvSpPr>
+          <p:nvPr>
+            <p:ph type="title"/>
+          </p:nvPr>
+        </p:nvSpPr>
+        <p:spPr/>
+        <p:txBody>
+          <a:bodyPr>
+            <a:normAutofit fontScale="90000"/>
+          </a:bodyPr>
+          <a:lstStyle/>
+          <a:p>
+            <a:r>
+              <a:rPr lang="en-US" dirty="0" smtClean="0"/>
+              <a:t>Scatter plot of 1</a:t>
+            </a:r>
+            <a:r>
+              <a:rPr lang="en-US" baseline="30000" dirty="0" smtClean="0"/>
+              <a:t>st</a:t>
+            </a:r>
+            <a:r>
+              <a:rPr lang="en-US" dirty="0" smtClean="0"/>
+              <a:t> and 2</a:t>
+            </a:r>
+            <a:r>
+              <a:rPr lang="en-US" baseline="30000" dirty="0" smtClean="0"/>
+              <a:t>nd</a:t>
+            </a:r>
+            <a:r>
+              <a:rPr lang="en-US" dirty="0" smtClean="0"/>
+              <a:t> principal components</a:t>
+            </a:r>
+            <a:endParaRPr lang="en-US" dirty="0"/>
+          </a:p>
+        </p:txBody>
+      </p:sp>
+      <p:pic>
+        <p:nvPicPr>
+          <p:cNvPr id="4" name="Picture 3"/>
+          <p:cNvPicPr>
+            <a:picLocks noChangeAspect="1" noChangeArrowheads="1"/>
+          </p:cNvPicPr>
+          <p:nvPr/>
+        </p:nvPicPr>
+        <p:blipFill>
+          <a:blip r:embed="rId2">
+            <a:extLst>
+              <a:ext uri="{BEBA8EAE-BF5A-486C-A8C5-ECC9F3942E4B}">
+                <a14:imgProps xmlns:a14="http://schemas.microsoft.com/office/drawing/2010/main">
+                  <a14:imgLayer r:embed="rId3">
+                    <a14:imgEffect>
+                      <a14:brightnessContrast bright="40000" contrast="40000"/>
+                    </a14:imgEffect>
+                  </a14:imgLayer>
+                </a14:imgProps>
+              </a:ext>
+              <a:ext uri="{28A0092B-C50C-407E-A947-70E740481C1C}">
+                <a14:useLocalDpi xmlns:a14="http://schemas.microsoft.com/office/drawing/2010/main" val="0"/>
+              </a:ext>
+            </a:extLst>
+          </a:blip>
+          <a:srcRect/>
+          <a:stretch>
+            <a:fillRect/>
+          </a:stretch>
+        </p:blipFill>
+        <p:spPr bwMode="auto">
+          <a:xfrm>
+            <a:off x="2289197" y="1981200"/>
+            <a:ext cx="4565606" cy="4114800"/>
+          </a:xfrm>
+          <a:prstGeom prst="rect">
+            <a:avLst/>
+          </a:prstGeom>
+          <a:noFill/>
+          <a:ln>
+            <a:noFill/>
+          </a:ln>
+          <a:extLst>
+            <a:ext uri="{909E8E84-426E-40DD-AFC4-6F175D3DCCD1}">
+              <a14:hiddenFill xmlns:a14="http://schemas.microsoft.com/office/drawing/2010/main">
+                <a:solidFill>
+                  <a:schemeClr val="accent1"/>
+                </a:solidFill>
+              </a14:hiddenFill>
+            </a:ext>
+            <a:ext uri="{91240B29-F687-4F45-9708-019B960494DF}">
+              <a14:hiddenLine xmlns:a14="http://schemas.microsoft.com/office/drawing/2010/main" w="9525">
+                <a:solidFill>
+                  <a:schemeClr val="tx1"/>
+                </a:solidFill>
+                <a:miter lim="800000"/>
+                <a:headEnd/>
+                <a:tailEnd/>
+              </a14:hiddenLine>
+            </a:ext>
+          </a:extLst>
+        </p:spPr>
+      </p:pic>
+    </p:spTree>
+    <p:extLst>
+      <p:ext uri="{BB962C8B-B14F-4D97-AF65-F5344CB8AC3E}">
+        <p14:creationId xmlns:p14="http://schemas.microsoft.com/office/powerpoint/2010/main" val="1198827643"/>
+      </p:ext>
+    </p:extLst>
+  </p:cSld>
+  <p:clrMapOvr>
+    <a:masterClrMapping/>
+  </p:clrMapOvr>
+</p:sld>
+</file>
+
+<file path=ppt/slides/slide14.xml><?xml version="1.0" encoding="utf-8"?>
+<p:sld xmlns:a="http://schemas.openxmlformats.org/drawingml/2006/main" xmlns:r="http://schemas.openxmlformats.org/officeDocument/2006/relationships" xmlns:p="http://schemas.openxmlformats.org/presentationml/2006/main">
+  <p:cSld>
+    <p:spTree>
+      <p:nvGrpSpPr>
+        <p:cNvPr id="1" name=""/>
+        <p:cNvGrpSpPr/>
+        <p:nvPr/>
+      </p:nvGrpSpPr>
+      <p:grpSpPr>
+        <a:xfrm>
+          <a:off x="0" y="0"/>
+          <a:ext cx="0" cy="0"/>
+          <a:chOff x="0" y="0"/>
+          <a:chExt cx="0" cy="0"/>
+        </a:xfrm>
+      </p:grpSpPr>
+      <p:sp>
+        <p:nvSpPr>
+          <p:cNvPr id="2" name="Title 1"/>
+          <p:cNvSpPr>
+            <a:spLocks noGrp="1"/>
+          </p:cNvSpPr>
+          <p:nvPr>
+            <p:ph type="title"/>
+          </p:nvPr>
+        </p:nvSpPr>
+        <p:spPr/>
+        <p:txBody>
+          <a:bodyPr>
+            <a:normAutofit fontScale="90000"/>
+          </a:bodyPr>
+          <a:lstStyle/>
+          <a:p>
+            <a:r>
+              <a:rPr lang="en-US" dirty="0" smtClean="0"/>
+              <a:t>Pseudo code method vs </a:t>
+            </a:r>
+            <a:r>
+              <a:rPr lang="en-US" dirty="0" err="1" smtClean="0"/>
+              <a:t>SKLearn</a:t>
+            </a:r>
+            <a:endParaRPr lang="en-US" dirty="0"/>
+          </a:p>
+        </p:txBody>
+      </p:sp>
+      <p:sp>
+        <p:nvSpPr>
+          <p:cNvPr id="3" name="Content Placeholder 2"/>
+          <p:cNvSpPr>
+            <a:spLocks noGrp="1"/>
+          </p:cNvSpPr>
+          <p:nvPr>
+            <p:ph idx="1"/>
+          </p:nvPr>
+        </p:nvSpPr>
+        <p:spPr/>
+        <p:txBody>
+          <a:bodyPr/>
+          <a:lstStyle/>
+          <a:p>
             <a:endParaRPr lang="en-US"/>
           </a:p>
         </p:txBody>
       </p:sp>
-      <p:sp>
-        <p:nvSpPr>
-          <p:cNvPr id="3" name="Content Placeholder 2"/>
-          <p:cNvSpPr>
-            <a:spLocks noGrp="1"/>
-          </p:cNvSpPr>
-          <p:nvPr>
-            <p:ph idx="1"/>
-          </p:nvPr>
-        </p:nvSpPr>
-        <p:spPr/>
-        <p:txBody>
-          <a:bodyPr/>
-          <a:lstStyle/>
-          <a:p>
-            <a:endParaRPr lang="en-US"/>
-          </a:p>
-        </p:txBody>
-      </p:sp>
+      <p:pic>
+        <p:nvPicPr>
+          <p:cNvPr id="1027" name="Picture 3"/>
+          <p:cNvPicPr>
+            <a:picLocks noChangeAspect="1" noChangeArrowheads="1"/>
+          </p:cNvPicPr>
+          <p:nvPr/>
+        </p:nvPicPr>
+        <p:blipFill>
+          <a:blip r:embed="rId2">
+            <a:extLst>
+              <a:ext uri="{BEBA8EAE-BF5A-486C-A8C5-ECC9F3942E4B}">
+                <a14:imgProps xmlns:a14="http://schemas.microsoft.com/office/drawing/2010/main">
+                  <a14:imgLayer r:embed="rId3">
+                    <a14:imgEffect>
+                      <a14:brightnessContrast bright="40000" contrast="40000"/>
+                    </a14:imgEffect>
+                  </a14:imgLayer>
+                </a14:imgProps>
+              </a:ext>
+              <a:ext uri="{28A0092B-C50C-407E-A947-70E740481C1C}">
+                <a14:useLocalDpi xmlns:a14="http://schemas.microsoft.com/office/drawing/2010/main" val="0"/>
+              </a:ext>
+            </a:extLst>
+          </a:blip>
+          <a:srcRect/>
+          <a:stretch>
+            <a:fillRect/>
+          </a:stretch>
+        </p:blipFill>
+        <p:spPr bwMode="auto">
+          <a:xfrm>
+            <a:off x="533400" y="2286000"/>
+            <a:ext cx="4071068" cy="3657600"/>
+          </a:xfrm>
+          <a:prstGeom prst="rect">
+            <a:avLst/>
+          </a:prstGeom>
+          <a:noFill/>
+          <a:ln>
+            <a:noFill/>
+          </a:ln>
+          <a:extLst>
+            <a:ext uri="{909E8E84-426E-40DD-AFC4-6F175D3DCCD1}">
+              <a14:hiddenFill xmlns:a14="http://schemas.microsoft.com/office/drawing/2010/main">
+                <a:solidFill>
+                  <a:schemeClr val="accent1"/>
+                </a:solidFill>
+              </a14:hiddenFill>
+            </a:ext>
+            <a:ext uri="{91240B29-F687-4F45-9708-019B960494DF}">
+              <a14:hiddenLine xmlns:a14="http://schemas.microsoft.com/office/drawing/2010/main" w="9525">
+                <a:solidFill>
+                  <a:schemeClr val="tx1"/>
+                </a:solidFill>
+                <a:miter lim="800000"/>
+                <a:headEnd/>
+                <a:tailEnd/>
+              </a14:hiddenLine>
+            </a:ext>
+          </a:extLst>
+        </p:spPr>
+      </p:pic>
+      <p:pic>
+        <p:nvPicPr>
+          <p:cNvPr id="1028" name="Picture 4"/>
+          <p:cNvPicPr>
+            <a:picLocks noChangeAspect="1" noChangeArrowheads="1"/>
+          </p:cNvPicPr>
+          <p:nvPr/>
+        </p:nvPicPr>
+        <p:blipFill>
+          <a:blip r:embed="rId4">
+            <a:extLst>
+              <a:ext uri="{BEBA8EAE-BF5A-486C-A8C5-ECC9F3942E4B}">
+                <a14:imgProps xmlns:a14="http://schemas.microsoft.com/office/drawing/2010/main">
+                  <a14:imgLayer r:embed="rId5">
+                    <a14:imgEffect>
+                      <a14:brightnessContrast bright="40000" contrast="40000"/>
+                    </a14:imgEffect>
+                  </a14:imgLayer>
+                </a14:imgProps>
+              </a:ext>
+              <a:ext uri="{28A0092B-C50C-407E-A947-70E740481C1C}">
+                <a14:useLocalDpi xmlns:a14="http://schemas.microsoft.com/office/drawing/2010/main" val="0"/>
+              </a:ext>
+            </a:extLst>
+          </a:blip>
+          <a:srcRect/>
+          <a:stretch>
+            <a:fillRect/>
+          </a:stretch>
+        </p:blipFill>
+        <p:spPr bwMode="auto">
+          <a:xfrm>
+            <a:off x="4724400" y="2304691"/>
+            <a:ext cx="4058346" cy="3657600"/>
+          </a:xfrm>
+          <a:prstGeom prst="rect">
+            <a:avLst/>
+          </a:prstGeom>
+          <a:noFill/>
+          <a:ln>
+            <a:noFill/>
+          </a:ln>
+          <a:extLst>
+            <a:ext uri="{909E8E84-426E-40DD-AFC4-6F175D3DCCD1}">
+              <a14:hiddenFill xmlns:a14="http://schemas.microsoft.com/office/drawing/2010/main">
+                <a:solidFill>
+                  <a:schemeClr val="accent1"/>
+                </a:solidFill>
+              </a14:hiddenFill>
+            </a:ext>
+            <a:ext uri="{91240B29-F687-4F45-9708-019B960494DF}">
+              <a14:hiddenLine xmlns:a14="http://schemas.microsoft.com/office/drawing/2010/main" w="9525">
+                <a:solidFill>
+                  <a:schemeClr val="tx1"/>
+                </a:solidFill>
+                <a:miter lim="800000"/>
+                <a:headEnd/>
+                <a:tailEnd/>
+              </a14:hiddenLine>
+            </a:ext>
+          </a:extLst>
+        </p:spPr>
+      </p:pic>
     </p:spTree>
     <p:extLst>
       <p:ext uri="{BB962C8B-B14F-4D97-AF65-F5344CB8AC3E}">
         <p14:creationId xmlns:p14="http://schemas.microsoft.com/office/powerpoint/2010/main" val="80656147"/>
+      </p:ext>
+    </p:extLst>
+  </p:cSld>
+  <p:clrMapOvr>
+    <a:masterClrMapping/>
+  </p:clrMapOvr>
+</p:sld>
+</file>
+
+<file path=ppt/slides/slide15.xml><?xml version="1.0" encoding="utf-8"?>
+<p:sld xmlns:a="http://schemas.openxmlformats.org/drawingml/2006/main" xmlns:r="http://schemas.openxmlformats.org/officeDocument/2006/relationships" xmlns:p="http://schemas.openxmlformats.org/presentationml/2006/main">
+  <p:cSld>
+    <p:spTree>
+      <p:nvGrpSpPr>
+        <p:cNvPr id="1" name=""/>
+        <p:cNvGrpSpPr/>
+        <p:nvPr/>
+      </p:nvGrpSpPr>
+      <p:grpSpPr>
+        <a:xfrm>
+          <a:off x="0" y="0"/>
+          <a:ext cx="0" cy="0"/>
+          <a:chOff x="0" y="0"/>
+          <a:chExt cx="0" cy="0"/>
+        </a:xfrm>
+      </p:grpSpPr>
+      <p:sp>
+        <p:nvSpPr>
+          <p:cNvPr id="2" name="Title 1"/>
+          <p:cNvSpPr>
+            <a:spLocks noGrp="1"/>
+          </p:cNvSpPr>
+          <p:nvPr>
+            <p:ph type="title"/>
+          </p:nvPr>
+        </p:nvSpPr>
+        <p:spPr/>
+        <p:txBody>
+          <a:bodyPr/>
+          <a:lstStyle/>
+          <a:p>
+            <a:endParaRPr lang="en-US"/>
+          </a:p>
+        </p:txBody>
+      </p:sp>
+      <p:sp>
+        <p:nvSpPr>
+          <p:cNvPr id="3" name="Content Placeholder 2"/>
+          <p:cNvSpPr>
+            <a:spLocks noGrp="1"/>
+          </p:cNvSpPr>
+          <p:nvPr>
+            <p:ph idx="1"/>
+          </p:nvPr>
+        </p:nvSpPr>
+        <p:spPr/>
+        <p:txBody>
+          <a:bodyPr/>
+          <a:lstStyle/>
+          <a:p>
+            <a:endParaRPr lang="en-US"/>
+          </a:p>
+        </p:txBody>
+      </p:sp>
+    </p:spTree>
+    <p:extLst>
+      <p:ext uri="{BB962C8B-B14F-4D97-AF65-F5344CB8AC3E}">
+        <p14:creationId xmlns:p14="http://schemas.microsoft.com/office/powerpoint/2010/main" val="264195163"/>
       </p:ext>
     </p:extLst>
   </p:cSld>
@@ -3287,14 +4620,19 @@
             <p:ph idx="1"/>
           </p:nvPr>
         </p:nvSpPr>
-        <p:spPr/>
+        <p:spPr>
+          <a:xfrm>
+            <a:off x="762000" y="1981200"/>
+            <a:ext cx="7543800" cy="4191000"/>
+          </a:xfrm>
+        </p:spPr>
         <p:txBody>
           <a:bodyPr/>
           <a:lstStyle/>
           <a:p>
             <a:r>
               <a:rPr lang="en-US" dirty="0" smtClean="0"/>
-              <a:t>Have you ever seen ruined pictures because people accidentally blink or they forget to smile?</a:t>
+              <a:t>Pictures that are taken at the wrong timing can have a negative impact on a person’s image.  Have you ever seen ruined pictures because people accidentally blink or they forget to smile?</a:t>
             </a:r>
           </a:p>
           <a:p>
@@ -3325,7 +4663,7 @@
         </p:blipFill>
         <p:spPr bwMode="auto">
           <a:xfrm>
-            <a:off x="4483627" y="3733800"/>
+            <a:off x="4483627" y="3810000"/>
             <a:ext cx="3212573" cy="2286000"/>
           </a:xfrm>
           <a:prstGeom prst="rect">
@@ -3366,7 +4704,7 @@
         </p:blipFill>
         <p:spPr bwMode="auto">
           <a:xfrm>
-            <a:off x="1561949" y="3733800"/>
+            <a:off x="1561949" y="3810000"/>
             <a:ext cx="2915816" cy="2286000"/>
           </a:xfrm>
           <a:prstGeom prst="rect">
@@ -3394,6 +4732,13 @@
   <p:clrMapOvr>
     <a:masterClrMapping/>
   </p:clrMapOvr>
+  <p:timing>
+    <p:tnLst>
+      <p:par>
+        <p:cTn id="1" dur="indefinite" restart="never" nodeType="tmRoot"/>
+      </p:par>
+    </p:tnLst>
+  </p:timing>
 </p:sld>
 </file>
 
@@ -3426,7 +4771,9 @@
         </p:nvSpPr>
         <p:spPr/>
         <p:txBody>
-          <a:bodyPr/>
+          <a:bodyPr>
+            <a:normAutofit fontScale="90000"/>
+          </a:bodyPr>
           <a:lstStyle/>
           <a:p>
             <a:r>
@@ -3467,38 +4814,27 @@
             </a:pPr>
             <a:r>
               <a:rPr lang="en-US" dirty="0" smtClean="0"/>
-              <a:t>Detect when a subject is “ready” </a:t>
-            </a:r>
+              <a:t>Detect when a subject is “ready” (has their eyes open and are smiling) and have a device automatically take a picture</a:t>
+            </a:r>
+          </a:p>
+          <a:p>
+            <a:pPr marL="457200" indent="-457200">
+              <a:buFont typeface="+mj-lt"/>
+              <a:buAutoNum type="arabicPeriod"/>
+            </a:pPr>
             <a:r>
               <a:rPr lang="en-US" dirty="0" smtClean="0"/>
-              <a:t>(has their eyes open and are smiling)</a:t>
-            </a:r>
+              <a:t>Prevent a device from taking pictures at the wrong time if the subject is “not ready” (person is blinking or not smiling)</a:t>
+            </a:r>
+          </a:p>
+          <a:p>
+            <a:pPr marL="457200" indent="-457200">
+              <a:buFont typeface="+mj-lt"/>
+              <a:buAutoNum type="arabicPeriod"/>
+            </a:pPr>
             <a:r>
               <a:rPr lang="en-US" dirty="0" smtClean="0"/>
-              <a:t> and have the device automatically take a picture</a:t>
-            </a:r>
-          </a:p>
-          <a:p>
-            <a:pPr marL="0" indent="0">
-              <a:buNone/>
-            </a:pPr>
-            <a:r>
-              <a:rPr lang="en-US" dirty="0"/>
-              <a:t>	</a:t>
-            </a:r>
-            <a:r>
-              <a:rPr lang="en-US" dirty="0" smtClean="0"/>
-              <a:t>			OR</a:t>
-            </a:r>
-          </a:p>
-          <a:p>
-            <a:pPr marL="514350" indent="-514350">
-              <a:buFont typeface="+mj-lt"/>
-              <a:buAutoNum type="arabicPeriod" startAt="2"/>
-            </a:pPr>
-            <a:r>
-              <a:rPr lang="en-US" dirty="0" smtClean="0"/>
-              <a:t>Prevent the device from taking pictures if the subject is “not ready” (person is blinking or not smiling)</a:t>
+              <a:t>Filter out bad pictures from a set of pictures </a:t>
             </a:r>
           </a:p>
           <a:p>
@@ -3519,6 +4855,13 @@
   <p:clrMapOvr>
     <a:masterClrMapping/>
   </p:clrMapOvr>
+  <p:timing>
+    <p:tnLst>
+      <p:par>
+        <p:cTn id="1" dur="indefinite" restart="never" nodeType="tmRoot"/>
+      </p:par>
+    </p:tnLst>
+  </p:timing>
 </p:sld>
 </file>
 
@@ -3594,6 +4937,13 @@
   <p:clrMapOvr>
     <a:masterClrMapping/>
   </p:clrMapOvr>
+  <p:timing>
+    <p:tnLst>
+      <p:par>
+        <p:cTn id="1" dur="indefinite" restart="never" nodeType="tmRoot"/>
+      </p:par>
+    </p:tnLst>
+  </p:timing>
 </p:sld>
 </file>
 
@@ -3713,6 +5063,13 @@
   <p:clrMapOvr>
     <a:masterClrMapping/>
   </p:clrMapOvr>
+  <p:timing>
+    <p:tnLst>
+      <p:par>
+        <p:cTn id="1" dur="indefinite" restart="never" nodeType="tmRoot"/>
+      </p:par>
+    </p:tnLst>
+  </p:timing>
 </p:sld>
 </file>
 
@@ -3779,7 +5136,7 @@
         </p:blipFill>
         <p:spPr bwMode="auto">
           <a:xfrm>
-            <a:off x="1332208" y="1602347"/>
+            <a:off x="1332208" y="1447800"/>
             <a:ext cx="6479585" cy="4569853"/>
           </a:xfrm>
           <a:prstGeom prst="rect">
@@ -3820,6 +5177,13 @@
   <p:clrMapOvr>
     <a:masterClrMapping/>
   </p:clrMapOvr>
+  <p:timing>
+    <p:tnLst>
+      <p:par>
+        <p:cTn id="1" dur="indefinite" restart="never" nodeType="tmRoot"/>
+      </p:par>
+    </p:tnLst>
+  </p:timing>
 </p:sld>
 </file>
 
@@ -3880,13 +5244,13 @@
           <a:p>
             <a:r>
               <a:rPr lang="en-US" dirty="0" smtClean="0"/>
-              <a:t>Each image is converted to an array of digits and stored in an array</a:t>
+              <a:t>Each image is converted to an array of digits and stored as a data set</a:t>
             </a:r>
           </a:p>
           <a:p>
             <a:r>
               <a:rPr lang="en-US" dirty="0" smtClean="0"/>
-              <a:t>Class labels are manually assigned to each of the images and stored in another array</a:t>
+              <a:t>Class labels are manually assigned to each of the images and stored as another data set</a:t>
             </a:r>
           </a:p>
           <a:p>
@@ -3906,7 +5270,13 @@
             <a:pPr lvl="1"/>
             <a:r>
               <a:rPr lang="en-US" dirty="0" smtClean="0"/>
-              <a:t>Whether a person had their eyes open or not</a:t>
+              <a:t>Whether a person had their eyes open</a:t>
+            </a:r>
+          </a:p>
+          <a:p>
+            <a:r>
+              <a:rPr lang="en-US" dirty="0" smtClean="0"/>
+              <a:t>We combined these two to create a class for Good Picture  or Bad Picture</a:t>
             </a:r>
           </a:p>
         </p:txBody>
@@ -3921,6 +5291,13 @@
   <p:clrMapOvr>
     <a:masterClrMapping/>
   </p:clrMapOvr>
+  <p:timing>
+    <p:tnLst>
+      <p:par>
+        <p:cTn id="1" dur="indefinite" restart="never" nodeType="tmRoot"/>
+      </p:par>
+    </p:tnLst>
+  </p:timing>
 </p:sld>
 </file>
 
@@ -3943,6 +5320,94 @@
       </p:grpSpPr>
       <p:sp>
         <p:nvSpPr>
+          <p:cNvPr id="11" name="Rectangle 10"/>
+          <p:cNvSpPr/>
+          <p:nvPr/>
+        </p:nvSpPr>
+        <p:spPr>
+          <a:xfrm>
+            <a:off x="990602" y="2807732"/>
+            <a:ext cx="1828798" cy="2145268"/>
+          </a:xfrm>
+          <a:prstGeom prst="rect">
+            <a:avLst/>
+          </a:prstGeom>
+          <a:solidFill>
+            <a:srgbClr val="92D050"/>
+          </a:solidFill>
+          <a:ln>
+            <a:solidFill>
+              <a:srgbClr val="00B050"/>
+            </a:solidFill>
+          </a:ln>
+        </p:spPr>
+        <p:style>
+          <a:lnRef idx="2">
+            <a:schemeClr val="accent1">
+              <a:shade val="50000"/>
+            </a:schemeClr>
+          </a:lnRef>
+          <a:fillRef idx="1">
+            <a:schemeClr val="accent1"/>
+          </a:fillRef>
+          <a:effectRef idx="0">
+            <a:schemeClr val="accent1"/>
+          </a:effectRef>
+          <a:fontRef idx="minor">
+            <a:schemeClr val="lt1"/>
+          </a:fontRef>
+        </p:style>
+        <p:txBody>
+          <a:bodyPr rtlCol="0" anchor="ctr"/>
+          <a:lstStyle/>
+          <a:p>
+            <a:pPr algn="ctr"/>
+            <a:endParaRPr lang="en-US"/>
+          </a:p>
+        </p:txBody>
+      </p:sp>
+      <p:sp>
+        <p:nvSpPr>
+          <p:cNvPr id="5" name="Rectangle 4"/>
+          <p:cNvSpPr/>
+          <p:nvPr/>
+        </p:nvSpPr>
+        <p:spPr>
+          <a:xfrm>
+            <a:off x="2895601" y="2807732"/>
+            <a:ext cx="5486399" cy="2145268"/>
+          </a:xfrm>
+          <a:prstGeom prst="rect">
+            <a:avLst/>
+          </a:prstGeom>
+        </p:spPr>
+        <p:style>
+          <a:lnRef idx="2">
+            <a:schemeClr val="accent1">
+              <a:shade val="50000"/>
+            </a:schemeClr>
+          </a:lnRef>
+          <a:fillRef idx="1">
+            <a:schemeClr val="accent1"/>
+          </a:fillRef>
+          <a:effectRef idx="0">
+            <a:schemeClr val="accent1"/>
+          </a:effectRef>
+          <a:fontRef idx="minor">
+            <a:schemeClr val="lt1"/>
+          </a:fontRef>
+        </p:style>
+        <p:txBody>
+          <a:bodyPr rtlCol="0" anchor="ctr"/>
+          <a:lstStyle/>
+          <a:p>
+            <a:pPr algn="ctr"/>
+            <a:endParaRPr lang="en-US"/>
+          </a:p>
+        </p:txBody>
+      </p:sp>
+      <p:sp>
+        <p:nvSpPr>
           <p:cNvPr id="2" name="Title 1"/>
           <p:cNvSpPr>
             <a:spLocks noGrp="1"/>
@@ -3954,57 +5419,464 @@
         <p:spPr/>
         <p:txBody>
           <a:bodyPr>
-            <a:normAutofit/>
+            <a:normAutofit fontScale="90000"/>
           </a:bodyPr>
           <a:lstStyle/>
           <a:p>
             <a:r>
               <a:rPr lang="en-US" dirty="0" smtClean="0"/>
-              <a:t>How do we build our classifier?</a:t>
+              <a:t>Classifying Good Picture vs Bad Picture</a:t>
             </a:r>
             <a:endParaRPr lang="en-US" dirty="0"/>
           </a:p>
         </p:txBody>
       </p:sp>
-      <p:sp>
-        <p:nvSpPr>
-          <p:cNvPr id="3" name="Content Placeholder 2"/>
-          <p:cNvSpPr>
-            <a:spLocks noGrp="1"/>
-          </p:cNvSpPr>
-          <p:nvPr>
-            <p:ph idx="1"/>
-          </p:nvPr>
-        </p:nvSpPr>
-        <p:spPr/>
-        <p:txBody>
-          <a:bodyPr/>
-          <a:lstStyle/>
-          <a:p>
-            <a:r>
-              <a:rPr lang="en-US" dirty="0" smtClean="0"/>
-              <a:t>This is similar to MNIST because it uses images</a:t>
-            </a:r>
-          </a:p>
-          <a:p>
-            <a:r>
-              <a:rPr lang="en-US" dirty="0" smtClean="0"/>
-              <a:t>Images can be converted to a single array of digits</a:t>
-            </a:r>
-          </a:p>
-          <a:p>
-            <a:r>
-              <a:rPr lang="en-US" dirty="0" smtClean="0"/>
-              <a:t>Since a single image contains 10,304 elements, we can use Principal Component Analysis to reduce the dimensionality!</a:t>
-            </a:r>
-            <a:endParaRPr lang="en-US" dirty="0"/>
+      <p:pic>
+        <p:nvPicPr>
+          <p:cNvPr id="1026" name="Picture 2"/>
+          <p:cNvPicPr>
+            <a:picLocks noChangeAspect="1" noChangeArrowheads="1"/>
+          </p:cNvPicPr>
+          <p:nvPr/>
+        </p:nvPicPr>
+        <p:blipFill>
+          <a:blip r:embed="rId2">
+            <a:extLst>
+              <a:ext uri="{28A0092B-C50C-407E-A947-70E740481C1C}">
+                <a14:useLocalDpi xmlns:a14="http://schemas.microsoft.com/office/drawing/2010/main" val="0"/>
+              </a:ext>
+            </a:extLst>
+          </a:blip>
+          <a:srcRect/>
+          <a:stretch>
+            <a:fillRect/>
+          </a:stretch>
+        </p:blipFill>
+        <p:spPr bwMode="auto">
+          <a:xfrm>
+            <a:off x="6662057" y="2984260"/>
+            <a:ext cx="1567543" cy="1828800"/>
+          </a:xfrm>
+          <a:prstGeom prst="rect">
+            <a:avLst/>
+          </a:prstGeom>
+          <a:noFill/>
+          <a:ln>
+            <a:noFill/>
+          </a:ln>
+          <a:extLst>
+            <a:ext uri="{909E8E84-426E-40DD-AFC4-6F175D3DCCD1}">
+              <a14:hiddenFill xmlns:a14="http://schemas.microsoft.com/office/drawing/2010/main">
+                <a:solidFill>
+                  <a:schemeClr val="accent1"/>
+                </a:solidFill>
+              </a14:hiddenFill>
+            </a:ext>
+            <a:ext uri="{91240B29-F687-4F45-9708-019B960494DF}">
+              <a14:hiddenLine xmlns:a14="http://schemas.microsoft.com/office/drawing/2010/main" w="9525">
+                <a:solidFill>
+                  <a:schemeClr val="tx1"/>
+                </a:solidFill>
+                <a:miter lim="800000"/>
+                <a:headEnd/>
+                <a:tailEnd/>
+              </a14:hiddenLine>
+            </a:ext>
+          </a:extLst>
+        </p:spPr>
+      </p:pic>
+      <p:pic>
+        <p:nvPicPr>
+          <p:cNvPr id="1027" name="Picture 3"/>
+          <p:cNvPicPr>
+            <a:picLocks noChangeAspect="1" noChangeArrowheads="1"/>
+          </p:cNvPicPr>
+          <p:nvPr/>
+        </p:nvPicPr>
+        <p:blipFill>
+          <a:blip r:embed="rId3">
+            <a:extLst>
+              <a:ext uri="{28A0092B-C50C-407E-A947-70E740481C1C}">
+                <a14:useLocalDpi xmlns:a14="http://schemas.microsoft.com/office/drawing/2010/main" val="0"/>
+              </a:ext>
+            </a:extLst>
+          </a:blip>
+          <a:srcRect/>
+          <a:stretch>
+            <a:fillRect/>
+          </a:stretch>
+        </p:blipFill>
+        <p:spPr bwMode="auto">
+          <a:xfrm>
+            <a:off x="4905777" y="2984260"/>
+            <a:ext cx="1571223" cy="1828800"/>
+          </a:xfrm>
+          <a:prstGeom prst="rect">
+            <a:avLst/>
+          </a:prstGeom>
+          <a:noFill/>
+          <a:ln>
+            <a:noFill/>
+          </a:ln>
+          <a:extLst>
+            <a:ext uri="{909E8E84-426E-40DD-AFC4-6F175D3DCCD1}">
+              <a14:hiddenFill xmlns:a14="http://schemas.microsoft.com/office/drawing/2010/main">
+                <a:solidFill>
+                  <a:schemeClr val="accent1"/>
+                </a:solidFill>
+              </a14:hiddenFill>
+            </a:ext>
+            <a:ext uri="{91240B29-F687-4F45-9708-019B960494DF}">
+              <a14:hiddenLine xmlns:a14="http://schemas.microsoft.com/office/drawing/2010/main" w="9525">
+                <a:solidFill>
+                  <a:schemeClr val="tx1"/>
+                </a:solidFill>
+                <a:miter lim="800000"/>
+                <a:headEnd/>
+                <a:tailEnd/>
+              </a14:hiddenLine>
+            </a:ext>
+          </a:extLst>
+        </p:spPr>
+      </p:pic>
+      <p:pic>
+        <p:nvPicPr>
+          <p:cNvPr id="1028" name="Picture 4"/>
+          <p:cNvPicPr>
+            <a:picLocks noChangeAspect="1" noChangeArrowheads="1"/>
+          </p:cNvPicPr>
+          <p:nvPr/>
+        </p:nvPicPr>
+        <p:blipFill>
+          <a:blip r:embed="rId4">
+            <a:extLst>
+              <a:ext uri="{28A0092B-C50C-407E-A947-70E740481C1C}">
+                <a14:useLocalDpi xmlns:a14="http://schemas.microsoft.com/office/drawing/2010/main" val="0"/>
+              </a:ext>
+            </a:extLst>
+          </a:blip>
+          <a:srcRect/>
+          <a:stretch>
+            <a:fillRect/>
+          </a:stretch>
+        </p:blipFill>
+        <p:spPr bwMode="auto">
+          <a:xfrm>
+            <a:off x="3124201" y="3004389"/>
+            <a:ext cx="1545465" cy="1828800"/>
+          </a:xfrm>
+          <a:prstGeom prst="rect">
+            <a:avLst/>
+          </a:prstGeom>
+          <a:noFill/>
+          <a:ln>
+            <a:noFill/>
+          </a:ln>
+          <a:extLst>
+            <a:ext uri="{909E8E84-426E-40DD-AFC4-6F175D3DCCD1}">
+              <a14:hiddenFill xmlns:a14="http://schemas.microsoft.com/office/drawing/2010/main">
+                <a:solidFill>
+                  <a:schemeClr val="accent1"/>
+                </a:solidFill>
+              </a14:hiddenFill>
+            </a:ext>
+            <a:ext uri="{91240B29-F687-4F45-9708-019B960494DF}">
+              <a14:hiddenLine xmlns:a14="http://schemas.microsoft.com/office/drawing/2010/main" w="9525">
+                <a:solidFill>
+                  <a:schemeClr val="tx1"/>
+                </a:solidFill>
+                <a:miter lim="800000"/>
+                <a:headEnd/>
+                <a:tailEnd/>
+              </a14:hiddenLine>
+            </a:ext>
+          </a:extLst>
+        </p:spPr>
+      </p:pic>
+      <p:pic>
+        <p:nvPicPr>
+          <p:cNvPr id="1029" name="Picture 5"/>
+          <p:cNvPicPr>
+            <a:picLocks noChangeAspect="1" noChangeArrowheads="1"/>
+          </p:cNvPicPr>
+          <p:nvPr/>
+        </p:nvPicPr>
+        <p:blipFill>
+          <a:blip r:embed="rId5">
+            <a:extLst>
+              <a:ext uri="{28A0092B-C50C-407E-A947-70E740481C1C}">
+                <a14:useLocalDpi xmlns:a14="http://schemas.microsoft.com/office/drawing/2010/main" val="0"/>
+              </a:ext>
+            </a:extLst>
+          </a:blip>
+          <a:srcRect/>
+          <a:stretch>
+            <a:fillRect/>
+          </a:stretch>
+        </p:blipFill>
+        <p:spPr bwMode="auto">
+          <a:xfrm>
+            <a:off x="1168400" y="2984500"/>
+            <a:ext cx="1498600" cy="1828800"/>
+          </a:xfrm>
+          <a:prstGeom prst="rect">
+            <a:avLst/>
+          </a:prstGeom>
+          <a:noFill/>
+          <a:ln>
+            <a:noFill/>
+          </a:ln>
+          <a:extLst>
+            <a:ext uri="{909E8E84-426E-40DD-AFC4-6F175D3DCCD1}">
+              <a14:hiddenFill xmlns:a14="http://schemas.microsoft.com/office/drawing/2010/main">
+                <a:solidFill>
+                  <a:schemeClr val="accent1"/>
+                </a:solidFill>
+              </a14:hiddenFill>
+            </a:ext>
+            <a:ext uri="{91240B29-F687-4F45-9708-019B960494DF}">
+              <a14:hiddenLine xmlns:a14="http://schemas.microsoft.com/office/drawing/2010/main" w="9525">
+                <a:solidFill>
+                  <a:schemeClr val="tx1"/>
+                </a:solidFill>
+                <a:miter lim="800000"/>
+                <a:headEnd/>
+                <a:tailEnd/>
+              </a14:hiddenLine>
+            </a:ext>
+          </a:extLst>
+        </p:spPr>
+      </p:pic>
+      <p:sp>
+        <p:nvSpPr>
+          <p:cNvPr id="4" name="TextBox 3"/>
+          <p:cNvSpPr txBox="1"/>
+          <p:nvPr/>
+        </p:nvSpPr>
+        <p:spPr>
+          <a:xfrm>
+            <a:off x="1371600" y="2286000"/>
+            <a:ext cx="971741" cy="523220"/>
+          </a:xfrm>
+          <a:prstGeom prst="rect">
+            <a:avLst/>
+          </a:prstGeom>
+          <a:noFill/>
+        </p:spPr>
+        <p:txBody>
+          <a:bodyPr wrap="none" rtlCol="0">
+            <a:spAutoFit/>
+          </a:bodyPr>
+          <a:lstStyle/>
+          <a:p>
+            <a:r>
+              <a:rPr lang="en-US" sz="2800" dirty="0" smtClean="0">
+                <a:latin typeface="+mj-lt"/>
+              </a:rPr>
+              <a:t>GOOD</a:t>
+            </a:r>
+            <a:endParaRPr lang="en-US" sz="2800" dirty="0">
+              <a:latin typeface="+mj-lt"/>
+            </a:endParaRPr>
+          </a:p>
+        </p:txBody>
+      </p:sp>
+      <p:sp>
+        <p:nvSpPr>
+          <p:cNvPr id="9" name="TextBox 8"/>
+          <p:cNvSpPr txBox="1"/>
+          <p:nvPr/>
+        </p:nvSpPr>
+        <p:spPr>
+          <a:xfrm>
+            <a:off x="5271621" y="2286000"/>
+            <a:ext cx="764953" cy="523220"/>
+          </a:xfrm>
+          <a:prstGeom prst="rect">
+            <a:avLst/>
+          </a:prstGeom>
+          <a:noFill/>
+        </p:spPr>
+        <p:txBody>
+          <a:bodyPr wrap="none" rtlCol="0">
+            <a:spAutoFit/>
+          </a:bodyPr>
+          <a:lstStyle/>
+          <a:p>
+            <a:r>
+              <a:rPr lang="en-US" sz="2800" dirty="0" smtClean="0">
+                <a:latin typeface="+mj-lt"/>
+              </a:rPr>
+              <a:t>BAD</a:t>
+            </a:r>
+            <a:endParaRPr lang="en-US" sz="2800" dirty="0">
+              <a:latin typeface="+mj-lt"/>
+            </a:endParaRPr>
+          </a:p>
+        </p:txBody>
+      </p:sp>
+      <p:sp>
+        <p:nvSpPr>
+          <p:cNvPr id="6" name="TextBox 5"/>
+          <p:cNvSpPr txBox="1"/>
+          <p:nvPr/>
+        </p:nvSpPr>
+        <p:spPr>
+          <a:xfrm>
+            <a:off x="1178438" y="5088472"/>
+            <a:ext cx="1358064" cy="646331"/>
+          </a:xfrm>
+          <a:prstGeom prst="rect">
+            <a:avLst/>
+          </a:prstGeom>
+          <a:noFill/>
+        </p:spPr>
+        <p:txBody>
+          <a:bodyPr wrap="none" rtlCol="0">
+            <a:spAutoFit/>
+          </a:bodyPr>
+          <a:lstStyle/>
+          <a:p>
+            <a:pPr algn="ctr"/>
+            <a:r>
+              <a:rPr lang="en-US" dirty="0" smtClean="0">
+                <a:latin typeface="+mj-lt"/>
+              </a:rPr>
+              <a:t>Smiling</a:t>
+            </a:r>
+          </a:p>
+          <a:p>
+            <a:pPr algn="ctr"/>
+            <a:r>
+              <a:rPr lang="en-US" dirty="0" smtClean="0">
+                <a:latin typeface="+mj-lt"/>
+              </a:rPr>
+              <a:t>Not blinking</a:t>
+            </a:r>
+            <a:endParaRPr lang="en-US" dirty="0">
+              <a:latin typeface="+mj-lt"/>
+            </a:endParaRPr>
+          </a:p>
+        </p:txBody>
+      </p:sp>
+      <p:sp>
+        <p:nvSpPr>
+          <p:cNvPr id="13" name="TextBox 12"/>
+          <p:cNvSpPr txBox="1"/>
+          <p:nvPr/>
+        </p:nvSpPr>
+        <p:spPr>
+          <a:xfrm>
+            <a:off x="3176298" y="5088471"/>
+            <a:ext cx="1253869" cy="369332"/>
+          </a:xfrm>
+          <a:prstGeom prst="rect">
+            <a:avLst/>
+          </a:prstGeom>
+          <a:noFill/>
+        </p:spPr>
+        <p:txBody>
+          <a:bodyPr wrap="none" rtlCol="0">
+            <a:spAutoFit/>
+          </a:bodyPr>
+          <a:lstStyle/>
+          <a:p>
+            <a:pPr algn="ctr"/>
+            <a:r>
+              <a:rPr lang="en-US" dirty="0" smtClean="0">
+                <a:latin typeface="+mj-lt"/>
+              </a:rPr>
+              <a:t>Not smiling</a:t>
+            </a:r>
+            <a:endParaRPr lang="en-US" dirty="0">
+              <a:latin typeface="+mj-lt"/>
+            </a:endParaRPr>
+          </a:p>
+        </p:txBody>
+      </p:sp>
+      <p:sp>
+        <p:nvSpPr>
+          <p:cNvPr id="14" name="TextBox 13"/>
+          <p:cNvSpPr txBox="1"/>
+          <p:nvPr/>
+        </p:nvSpPr>
+        <p:spPr>
+          <a:xfrm>
+            <a:off x="5152928" y="5088472"/>
+            <a:ext cx="971741" cy="369332"/>
+          </a:xfrm>
+          <a:prstGeom prst="rect">
+            <a:avLst/>
+          </a:prstGeom>
+          <a:noFill/>
+        </p:spPr>
+        <p:txBody>
+          <a:bodyPr wrap="none" rtlCol="0">
+            <a:spAutoFit/>
+          </a:bodyPr>
+          <a:lstStyle/>
+          <a:p>
+            <a:pPr algn="ctr"/>
+            <a:r>
+              <a:rPr lang="en-US" dirty="0" smtClean="0">
+                <a:latin typeface="+mj-lt"/>
+              </a:rPr>
+              <a:t>Blinking</a:t>
+            </a:r>
+            <a:endParaRPr lang="en-US" dirty="0">
+              <a:latin typeface="+mj-lt"/>
+            </a:endParaRPr>
+          </a:p>
+        </p:txBody>
+      </p:sp>
+      <p:sp>
+        <p:nvSpPr>
+          <p:cNvPr id="15" name="TextBox 14"/>
+          <p:cNvSpPr txBox="1"/>
+          <p:nvPr/>
+        </p:nvSpPr>
+        <p:spPr>
+          <a:xfrm>
+            <a:off x="6818893" y="5088471"/>
+            <a:ext cx="1253869" cy="646331"/>
+          </a:xfrm>
+          <a:prstGeom prst="rect">
+            <a:avLst/>
+          </a:prstGeom>
+          <a:noFill/>
+        </p:spPr>
+        <p:txBody>
+          <a:bodyPr wrap="none" rtlCol="0">
+            <a:spAutoFit/>
+          </a:bodyPr>
+          <a:lstStyle/>
+          <a:p>
+            <a:pPr algn="ctr"/>
+            <a:r>
+              <a:rPr lang="en-US" dirty="0" smtClean="0">
+                <a:latin typeface="+mj-lt"/>
+              </a:rPr>
+              <a:t>Not smiling</a:t>
+            </a:r>
+          </a:p>
+          <a:p>
+            <a:pPr algn="ctr"/>
+            <a:r>
+              <a:rPr lang="en-US" dirty="0" smtClean="0">
+                <a:latin typeface="+mj-lt"/>
+              </a:rPr>
+              <a:t>Blinking</a:t>
+            </a:r>
+            <a:endParaRPr lang="en-US" dirty="0">
+              <a:latin typeface="+mj-lt"/>
+            </a:endParaRPr>
           </a:p>
         </p:txBody>
       </p:sp>
     </p:spTree>
     <p:extLst>
       <p:ext uri="{BB962C8B-B14F-4D97-AF65-F5344CB8AC3E}">
-        <p14:creationId xmlns:p14="http://schemas.microsoft.com/office/powerpoint/2010/main" val="1045244087"/>
+        <p14:creationId xmlns:p14="http://schemas.microsoft.com/office/powerpoint/2010/main" val="3113903859"/>
       </p:ext>
     </p:extLst>
   </p:cSld>
@@ -4043,44 +5915,77 @@
         </p:nvSpPr>
         <p:spPr/>
         <p:txBody>
-          <a:bodyPr/>
+          <a:bodyPr>
+            <a:normAutofit fontScale="90000"/>
+          </a:bodyPr>
           <a:lstStyle/>
           <a:p>
             <a:r>
               <a:rPr lang="en-US" dirty="0" smtClean="0"/>
-              <a:t>Principal Component Analysis</a:t>
+              <a:t>Sample Classification data set</a:t>
             </a:r>
             <a:endParaRPr lang="en-US" dirty="0"/>
           </a:p>
         </p:txBody>
       </p:sp>
-      <p:sp>
-        <p:nvSpPr>
-          <p:cNvPr id="3" name="Content Placeholder 2"/>
-          <p:cNvSpPr>
-            <a:spLocks noGrp="1"/>
-          </p:cNvSpPr>
-          <p:nvPr>
-            <p:ph idx="1"/>
-          </p:nvPr>
-        </p:nvSpPr>
-        <p:spPr/>
-        <p:txBody>
-          <a:bodyPr/>
-          <a:lstStyle/>
-          <a:p>
-            <a:r>
-              <a:rPr lang="en-US" dirty="0" smtClean="0"/>
-              <a:t>SK learn was used to calculate the first and second principal components</a:t>
-            </a:r>
-            <a:endParaRPr lang="en-US" dirty="0"/>
-          </a:p>
-        </p:txBody>
-      </p:sp>
+      <p:pic>
+        <p:nvPicPr>
+          <p:cNvPr id="2050" name="Picture 2"/>
+          <p:cNvPicPr>
+            <a:picLocks noChangeAspect="1" noChangeArrowheads="1"/>
+          </p:cNvPicPr>
+          <p:nvPr/>
+        </p:nvPicPr>
+        <p:blipFill>
+          <a:blip r:embed="rId2">
+            <a:extLst>
+              <a:ext uri="{28A0092B-C50C-407E-A947-70E740481C1C}">
+                <a14:useLocalDpi xmlns:a14="http://schemas.microsoft.com/office/drawing/2010/main" val="0"/>
+              </a:ext>
+            </a:extLst>
+          </a:blip>
+          <a:srcRect/>
+          <a:stretch>
+            <a:fillRect/>
+          </a:stretch>
+        </p:blipFill>
+        <p:spPr bwMode="auto">
+          <a:xfrm>
+            <a:off x="3276600" y="2362200"/>
+            <a:ext cx="2409825" cy="3505200"/>
+          </a:xfrm>
+          <a:prstGeom prst="rect">
+            <a:avLst/>
+          </a:prstGeom>
+          <a:noFill/>
+          <a:ln>
+            <a:noFill/>
+          </a:ln>
+          <a:extLst>
+            <a:ext uri="{909E8E84-426E-40DD-AFC4-6F175D3DCCD1}">
+              <a14:hiddenFill xmlns:a14="http://schemas.microsoft.com/office/drawing/2010/main">
+                <a:solidFill>
+                  <a:schemeClr val="accent1"/>
+                </a:solidFill>
+              </a14:hiddenFill>
+            </a:ext>
+            <a:ext uri="{91240B29-F687-4F45-9708-019B960494DF}">
+              <a14:hiddenLine xmlns:a14="http://schemas.microsoft.com/office/drawing/2010/main" w="9525">
+                <a:solidFill>
+                  <a:schemeClr val="tx1"/>
+                </a:solidFill>
+                <a:miter lim="800000"/>
+                <a:headEnd/>
+                <a:tailEnd/>
+              </a14:hiddenLine>
+            </a:ext>
+          </a:extLst>
+        </p:spPr>
+      </p:pic>
     </p:spTree>
     <p:extLst>
       <p:ext uri="{BB962C8B-B14F-4D97-AF65-F5344CB8AC3E}">
-        <p14:creationId xmlns:p14="http://schemas.microsoft.com/office/powerpoint/2010/main" val="3988349205"/>
+        <p14:creationId xmlns:p14="http://schemas.microsoft.com/office/powerpoint/2010/main" val="2172585552"/>
       </p:ext>
     </p:extLst>
   </p:cSld>
@@ -4091,9 +5996,9 @@
 </file>
 
 <file path=ppt/theme/theme1.xml><?xml version="1.0" encoding="utf-8"?>
-<a:theme xmlns:a="http://schemas.openxmlformats.org/drawingml/2006/main" name="Office Theme">
+<a:theme xmlns:a="http://schemas.openxmlformats.org/drawingml/2006/main" name="NewsPrint">
   <a:themeElements>
-    <a:clrScheme name="Office">
+    <a:clrScheme name="NewsPrint">
       <a:dk1>
         <a:sysClr val="windowText" lastClr="000000"/>
       </a:dk1>
@@ -4101,43 +6006,78 @@
         <a:sysClr val="window" lastClr="FFFFFF"/>
       </a:lt1>
       <a:dk2>
-        <a:srgbClr val="1F497D"/>
+        <a:srgbClr val="303030"/>
       </a:dk2>
       <a:lt2>
-        <a:srgbClr val="EEECE1"/>
+        <a:srgbClr val="DEDEE0"/>
       </a:lt2>
       <a:accent1>
-        <a:srgbClr val="4F81BD"/>
+        <a:srgbClr val="AD0101"/>
       </a:accent1>
       <a:accent2>
-        <a:srgbClr val="C0504D"/>
+        <a:srgbClr val="726056"/>
       </a:accent2>
       <a:accent3>
-        <a:srgbClr val="9BBB59"/>
+        <a:srgbClr val="AC956E"/>
       </a:accent3>
       <a:accent4>
-        <a:srgbClr val="8064A2"/>
+        <a:srgbClr val="808DA9"/>
       </a:accent4>
       <a:accent5>
-        <a:srgbClr val="4BACC6"/>
+        <a:srgbClr val="424E5B"/>
       </a:accent5>
       <a:accent6>
-        <a:srgbClr val="F79646"/>
+        <a:srgbClr val="730E00"/>
       </a:accent6>
       <a:hlink>
-        <a:srgbClr val="0000FF"/>
+        <a:srgbClr val="D26900"/>
       </a:hlink>
       <a:folHlink>
-        <a:srgbClr val="800080"/>
+        <a:srgbClr val="D89243"/>
       </a:folHlink>
     </a:clrScheme>
-    <a:fontScheme name="Office">
+    <a:fontScheme name="NewsPrint">
       <a:majorFont>
-        <a:latin typeface="Calibri"/>
+        <a:latin typeface="Impact"/>
         <a:ea typeface=""/>
         <a:cs typeface=""/>
-        <a:font script="Jpan" typeface="ＭＳ Ｐゴシック"/>
-        <a:font script="Hang" typeface="맑은 고딕"/>
+        <a:font script="Jpan" typeface="HGP創英角ｺﾞｼｯｸUB"/>
+        <a:font script="Hang" typeface="HY견고딕"/>
+        <a:font script="Hans" typeface="微软雅黑"/>
+        <a:font script="Hant" typeface="微軟正黑體"/>
+        <a:font script="Arab" typeface="Tahoma"/>
+        <a:font script="Hebr" typeface="Tohoma"/>
+        <a:font script="Thai" typeface="Tahoma"/>
+        <a:font script="Ethi" typeface="Nyala"/>
+        <a:font script="Beng" typeface="Vrinda"/>
+        <a:font script="Gujr" typeface="Shruti"/>
+        <a:font script="Khmr" typeface="MoolBoran"/>
+        <a:font script="Knda" typeface="Tunga"/>
+        <a:font script="Guru" typeface="Raavi"/>
+        <a:font script="Cans" typeface="Euphemia"/>
+        <a:font script="Cher" typeface="Plantagenet Cherokee"/>
+        <a:font script="Yiii" typeface="Microsoft Yi Baiti"/>
+        <a:font script="Tibt" typeface="Microsoft Himalaya"/>
+        <a:font script="Thaa" typeface="MV Boli"/>
+        <a:font script="Deva" typeface="Mangal"/>
+        <a:font script="Telu" typeface="Gautami"/>
+        <a:font script="Taml" typeface="Latha"/>
+        <a:font script="Syrc" typeface="Estrangelo Edessa"/>
+        <a:font script="Orya" typeface="Kalinga"/>
+        <a:font script="Mlym" typeface="Kartika"/>
+        <a:font script="Laoo" typeface="DokChampa"/>
+        <a:font script="Sinh" typeface="Iskoola Pota"/>
+        <a:font script="Mong" typeface="Mongolian Baiti"/>
+        <a:font script="Viet" typeface="Times New Roman"/>
+        <a:font script="Uigh" typeface="Microsoft Uighur"/>
+        <a:font script="Geor" typeface="Sylfaen"/>
+      </a:majorFont>
+      <a:minorFont>
+        <a:latin typeface="Times New Roman"/>
+        <a:ea typeface=""/>
+        <a:cs typeface=""/>
+        <a:font script="Jpan" typeface="ＭＳ Ｐ明朝"/>
+        <a:font script="Hang" typeface="바탕"/>
         <a:font script="Hans" typeface="宋体"/>
         <a:font script="Hant" typeface="新細明體"/>
         <a:font script="Arab" typeface="Times New Roman"/>
@@ -4166,44 +6106,9 @@
         <a:font script="Viet" typeface="Times New Roman"/>
         <a:font script="Uigh" typeface="Microsoft Uighur"/>
         <a:font script="Geor" typeface="Sylfaen"/>
-      </a:majorFont>
-      <a:minorFont>
-        <a:latin typeface="Calibri"/>
-        <a:ea typeface=""/>
-        <a:cs typeface=""/>
-        <a:font script="Jpan" typeface="ＭＳ Ｐゴシック"/>
-        <a:font script="Hang" typeface="맑은 고딕"/>
-        <a:font script="Hans" typeface="宋体"/>
-        <a:font script="Hant" typeface="新細明體"/>
-        <a:font script="Arab" typeface="Arial"/>
-        <a:font script="Hebr" typeface="Arial"/>
-        <a:font script="Thai" typeface="Cordia New"/>
-        <a:font script="Ethi" typeface="Nyala"/>
-        <a:font script="Beng" typeface="Vrinda"/>
-        <a:font script="Gujr" typeface="Shruti"/>
-        <a:font script="Khmr" typeface="DaunPenh"/>
-        <a:font script="Knda" typeface="Tunga"/>
-        <a:font script="Guru" typeface="Raavi"/>
-        <a:font script="Cans" typeface="Euphemia"/>
-        <a:font script="Cher" typeface="Plantagenet Cherokee"/>
-        <a:font script="Yiii" typeface="Microsoft Yi Baiti"/>
-        <a:font script="Tibt" typeface="Microsoft Himalaya"/>
-        <a:font script="Thaa" typeface="MV Boli"/>
-        <a:font script="Deva" typeface="Mangal"/>
-        <a:font script="Telu" typeface="Gautami"/>
-        <a:font script="Taml" typeface="Latha"/>
-        <a:font script="Syrc" typeface="Estrangelo Edessa"/>
-        <a:font script="Orya" typeface="Kalinga"/>
-        <a:font script="Mlym" typeface="Kartika"/>
-        <a:font script="Laoo" typeface="DokChampa"/>
-        <a:font script="Sinh" typeface="Iskoola Pota"/>
-        <a:font script="Mong" typeface="Mongolian Baiti"/>
-        <a:font script="Viet" typeface="Arial"/>
-        <a:font script="Uigh" typeface="Microsoft Uighur"/>
-        <a:font script="Geor" typeface="Sylfaen"/>
       </a:minorFont>
     </a:fontScheme>
-    <a:fmtScheme name="Office">
+    <a:fmtScheme name="NewsPrint">
       <a:fillStyleLst>
         <a:solidFill>
           <a:schemeClr val="phClr"/>
@@ -4212,66 +6117,69 @@
           <a:gsLst>
             <a:gs pos="0">
               <a:schemeClr val="phClr">
-                <a:tint val="50000"/>
-                <a:satMod val="300000"/>
-              </a:schemeClr>
-            </a:gs>
-            <a:gs pos="35000">
-              <a:schemeClr val="phClr">
                 <a:tint val="37000"/>
-                <a:satMod val="300000"/>
+                <a:hueMod val="100000"/>
+                <a:satMod val="200000"/>
+                <a:lumMod val="88000"/>
               </a:schemeClr>
             </a:gs>
             <a:gs pos="100000">
               <a:schemeClr val="phClr">
-                <a:tint val="15000"/>
+                <a:tint val="53000"/>
+                <a:shade val="100000"/>
+                <a:hueMod val="100000"/>
                 <a:satMod val="350000"/>
+                <a:lumMod val="79000"/>
               </a:schemeClr>
             </a:gs>
           </a:gsLst>
-          <a:lin ang="16200000" scaled="1"/>
+          <a:lin ang="5400000" scaled="1"/>
         </a:gradFill>
         <a:gradFill rotWithShape="1">
           <a:gsLst>
             <a:gs pos="0">
               <a:schemeClr val="phClr">
-                <a:shade val="51000"/>
-                <a:satMod val="130000"/>
+                <a:tint val="83000"/>
+                <a:shade val="100000"/>
+                <a:alpha val="100000"/>
+                <a:hueMod val="100000"/>
+                <a:satMod val="220000"/>
+                <a:lumMod val="90000"/>
               </a:schemeClr>
             </a:gs>
-            <a:gs pos="80000">
+            <a:gs pos="76000">
               <a:schemeClr val="phClr">
-                <a:shade val="93000"/>
-                <a:satMod val="130000"/>
+                <a:shade val="100000"/>
               </a:schemeClr>
             </a:gs>
             <a:gs pos="100000">
               <a:schemeClr val="phClr">
-                <a:shade val="94000"/>
-                <a:satMod val="135000"/>
+                <a:shade val="93000"/>
+                <a:alpha val="100000"/>
+                <a:satMod val="100000"/>
+                <a:lumMod val="93000"/>
               </a:schemeClr>
             </a:gs>
           </a:gsLst>
-          <a:lin ang="16200000" scaled="0"/>
+          <a:path path="circle">
+            <a:fillToRect l="15000" t="15000" r="100000" b="100000"/>
+          </a:path>
         </a:gradFill>
       </a:fillStyleLst>
       <a:lnStyleLst>
-        <a:ln w="9525" cap="flat" cmpd="sng" algn="ctr">
-          <a:solidFill>
-            <a:schemeClr val="phClr">
-              <a:shade val="95000"/>
-              <a:satMod val="105000"/>
-            </a:schemeClr>
-          </a:solidFill>
-          <a:prstDash val="solid"/>
-        </a:ln>
-        <a:ln w="25400" cap="flat" cmpd="sng" algn="ctr">
+        <a:ln w="15875" cap="flat" cmpd="sng" algn="ctr">
           <a:solidFill>
             <a:schemeClr val="phClr"/>
           </a:solidFill>
           <a:prstDash val="solid"/>
         </a:ln>
-        <a:ln w="38100" cap="flat" cmpd="sng" algn="ctr">
+        <a:ln w="22225" cap="flat" cmpd="sng" algn="ctr">
+          <a:solidFill>
+            <a:schemeClr val="phClr"/>
+          </a:solidFill>
+          <a:prstDash val="solid"/>
+        </a:ln>
+        <a:ln w="34925" cap="flat" cmpd="sng" algn="ctr">
           <a:solidFill>
             <a:schemeClr val="phClr"/>
           </a:solidFill>
@@ -4281,16 +6189,16 @@
       <a:effectStyleLst>
         <a:effectStyle>
           <a:effectLst>
-            <a:outerShdw blurRad="40000" dist="20000" dir="5400000" rotWithShape="0">
+            <a:outerShdw blurRad="50800" dist="12700" dir="5280000" rotWithShape="0">
               <a:srgbClr val="000000">
-                <a:alpha val="38000"/>
+                <a:alpha val="40000"/>
               </a:srgbClr>
             </a:outerShdw>
           </a:effectLst>
         </a:effectStyle>
         <a:effectStyle>
           <a:effectLst>
-            <a:outerShdw blurRad="40000" dist="23000" dir="5400000" rotWithShape="0">
+            <a:outerShdw blurRad="38100" dist="38100" dir="5400000" rotWithShape="0">
               <a:srgbClr val="000000">
                 <a:alpha val="35000"/>
               </a:srgbClr>
@@ -4299,7 +6207,7 @@
         </a:effectStyle>
         <a:effectStyle>
           <a:effectLst>
-            <a:outerShdw blurRad="40000" dist="23000" dir="5400000" rotWithShape="0">
+            <a:outerShdw blurRad="38100" dist="38100" dir="5400000" rotWithShape="0">
               <a:srgbClr val="000000">
                 <a:alpha val="35000"/>
               </a:srgbClr>
@@ -4309,12 +6217,13 @@
             <a:camera prst="orthographicFront">
               <a:rot lat="0" lon="0" rev="0"/>
             </a:camera>
-            <a:lightRig rig="threePt" dir="t">
-              <a:rot lat="0" lon="0" rev="1200000"/>
-            </a:lightRig>
+            <a:lightRig rig="brightRoom" dir="tl"/>
           </a:scene3d>
-          <a:sp3d>
-            <a:bevelT w="63500" h="25400"/>
+          <a:sp3d contourW="12700">
+            <a:bevelT w="31750" h="12700"/>
+            <a:contourClr>
+              <a:schemeClr val="phClr"/>
+            </a:contourClr>
           </a:sp3d>
         </a:effectStyle>
       </a:effectStyleLst>
@@ -4326,47 +6235,33 @@
           <a:gsLst>
             <a:gs pos="0">
               <a:schemeClr val="phClr">
-                <a:tint val="40000"/>
-                <a:satMod val="350000"/>
-              </a:schemeClr>
-            </a:gs>
-            <a:gs pos="40000">
-              <a:schemeClr val="phClr">
-                <a:tint val="45000"/>
-                <a:shade val="99000"/>
-                <a:satMod val="350000"/>
+                <a:tint val="93000"/>
               </a:schemeClr>
             </a:gs>
             <a:gs pos="100000">
               <a:schemeClr val="phClr">
-                <a:shade val="20000"/>
-                <a:satMod val="255000"/>
+                <a:shade val="55000"/>
               </a:schemeClr>
             </a:gs>
           </a:gsLst>
-          <a:path path="circle">
-            <a:fillToRect l="50000" t="-80000" r="50000" b="180000"/>
-          </a:path>
+          <a:lin ang="5400000" scaled="1"/>
         </a:gradFill>
-        <a:gradFill rotWithShape="1">
-          <a:gsLst>
-            <a:gs pos="0">
+        <a:blipFill rotWithShape="1">
+          <a:blip xmlns:r="http://schemas.openxmlformats.org/officeDocument/2006/relationships" r:embed="rId1">
+            <a:duotone>
               <a:schemeClr val="phClr">
-                <a:tint val="80000"/>
-                <a:satMod val="300000"/>
+                <a:shade val="20000"/>
+                <a:satMod val="350000"/>
+                <a:lumMod val="125000"/>
               </a:schemeClr>
-            </a:gs>
-            <a:gs pos="100000">
               <a:schemeClr val="phClr">
-                <a:shade val="30000"/>
-                <a:satMod val="200000"/>
+                <a:tint val="90000"/>
+                <a:satMod val="250000"/>
               </a:schemeClr>
-            </a:gs>
-          </a:gsLst>
-          <a:path path="circle">
-            <a:fillToRect l="50000" t="50000" r="50000" b="50000"/>
-          </a:path>
-        </a:gradFill>
+            </a:duotone>
+          </a:blip>
+          <a:stretch/>
+        </a:blipFill>
       </a:bgFillStyleLst>
     </a:fmtScheme>
   </a:themeElements>
